--- a/c# 스터디 5주 차.pptx
+++ b/c# 스터디 5주 차.pptx
@@ -26,8 +26,13 @@
     <p:sldId id="265" r:id="rId20"/>
     <p:sldId id="279" r:id="rId21"/>
     <p:sldId id="278" r:id="rId22"/>
-    <p:sldId id="266" r:id="rId23"/>
-    <p:sldId id="267" r:id="rId24"/>
+    <p:sldId id="280" r:id="rId23"/>
+    <p:sldId id="281" r:id="rId24"/>
+    <p:sldId id="282" r:id="rId25"/>
+    <p:sldId id="283" r:id="rId26"/>
+    <p:sldId id="284" r:id="rId27"/>
+    <p:sldId id="267" r:id="rId28"/>
+    <p:sldId id="285" r:id="rId29"/>
   </p:sldIdLst>
   <p:sldSz cx="12192000" cy="6858000"/>
   <p:notesSz cx="6858000" cy="9144000"/>
@@ -3083,7 +3088,7 @@
           <a:p>
             <a:fld id="{0E66B9D6-E21D-466B-A40C-B3BE42543334}" type="datetimeFigureOut">
               <a:rPr lang="ko-KR" altLang="en-US" smtClean="0"/>
-              <a:t>2020-05-19</a:t>
+              <a:t>2020-05-24</a:t>
             </a:fld>
             <a:endParaRPr lang="ko-KR" altLang="en-US"/>
           </a:p>
@@ -3281,7 +3286,7 @@
           <a:p>
             <a:fld id="{0E66B9D6-E21D-466B-A40C-B3BE42543334}" type="datetimeFigureOut">
               <a:rPr lang="ko-KR" altLang="en-US" smtClean="0"/>
-              <a:t>2020-05-19</a:t>
+              <a:t>2020-05-24</a:t>
             </a:fld>
             <a:endParaRPr lang="ko-KR" altLang="en-US"/>
           </a:p>
@@ -3489,7 +3494,7 @@
           <a:p>
             <a:fld id="{0E66B9D6-E21D-466B-A40C-B3BE42543334}" type="datetimeFigureOut">
               <a:rPr lang="ko-KR" altLang="en-US" smtClean="0"/>
-              <a:t>2020-05-19</a:t>
+              <a:t>2020-05-24</a:t>
             </a:fld>
             <a:endParaRPr lang="ko-KR" altLang="en-US"/>
           </a:p>
@@ -3687,7 +3692,7 @@
           <a:p>
             <a:fld id="{0E66B9D6-E21D-466B-A40C-B3BE42543334}" type="datetimeFigureOut">
               <a:rPr lang="ko-KR" altLang="en-US" smtClean="0"/>
-              <a:t>2020-05-19</a:t>
+              <a:t>2020-05-24</a:t>
             </a:fld>
             <a:endParaRPr lang="ko-KR" altLang="en-US"/>
           </a:p>
@@ -3962,7 +3967,7 @@
           <a:p>
             <a:fld id="{0E66B9D6-E21D-466B-A40C-B3BE42543334}" type="datetimeFigureOut">
               <a:rPr lang="ko-KR" altLang="en-US" smtClean="0"/>
-              <a:t>2020-05-19</a:t>
+              <a:t>2020-05-24</a:t>
             </a:fld>
             <a:endParaRPr lang="ko-KR" altLang="en-US"/>
           </a:p>
@@ -4227,7 +4232,7 @@
           <a:p>
             <a:fld id="{0E66B9D6-E21D-466B-A40C-B3BE42543334}" type="datetimeFigureOut">
               <a:rPr lang="ko-KR" altLang="en-US" smtClean="0"/>
-              <a:t>2020-05-19</a:t>
+              <a:t>2020-05-24</a:t>
             </a:fld>
             <a:endParaRPr lang="ko-KR" altLang="en-US"/>
           </a:p>
@@ -4639,7 +4644,7 @@
           <a:p>
             <a:fld id="{0E66B9D6-E21D-466B-A40C-B3BE42543334}" type="datetimeFigureOut">
               <a:rPr lang="ko-KR" altLang="en-US" smtClean="0"/>
-              <a:t>2020-05-19</a:t>
+              <a:t>2020-05-24</a:t>
             </a:fld>
             <a:endParaRPr lang="ko-KR" altLang="en-US"/>
           </a:p>
@@ -4780,7 +4785,7 @@
           <a:p>
             <a:fld id="{0E66B9D6-E21D-466B-A40C-B3BE42543334}" type="datetimeFigureOut">
               <a:rPr lang="ko-KR" altLang="en-US" smtClean="0"/>
-              <a:t>2020-05-19</a:t>
+              <a:t>2020-05-24</a:t>
             </a:fld>
             <a:endParaRPr lang="ko-KR" altLang="en-US"/>
           </a:p>
@@ -4893,7 +4898,7 @@
           <a:p>
             <a:fld id="{0E66B9D6-E21D-466B-A40C-B3BE42543334}" type="datetimeFigureOut">
               <a:rPr lang="ko-KR" altLang="en-US" smtClean="0"/>
-              <a:t>2020-05-19</a:t>
+              <a:t>2020-05-24</a:t>
             </a:fld>
             <a:endParaRPr lang="ko-KR" altLang="en-US"/>
           </a:p>
@@ -5204,7 +5209,7 @@
           <a:p>
             <a:fld id="{0E66B9D6-E21D-466B-A40C-B3BE42543334}" type="datetimeFigureOut">
               <a:rPr lang="ko-KR" altLang="en-US" smtClean="0"/>
-              <a:t>2020-05-19</a:t>
+              <a:t>2020-05-24</a:t>
             </a:fld>
             <a:endParaRPr lang="ko-KR" altLang="en-US"/>
           </a:p>
@@ -5492,7 +5497,7 @@
           <a:p>
             <a:fld id="{0E66B9D6-E21D-466B-A40C-B3BE42543334}" type="datetimeFigureOut">
               <a:rPr lang="ko-KR" altLang="en-US" smtClean="0"/>
-              <a:t>2020-05-19</a:t>
+              <a:t>2020-05-24</a:t>
             </a:fld>
             <a:endParaRPr lang="ko-KR" altLang="en-US"/>
           </a:p>
@@ -5733,7 +5738,7 @@
           <a:p>
             <a:fld id="{0E66B9D6-E21D-466B-A40C-B3BE42543334}" type="datetimeFigureOut">
               <a:rPr lang="ko-KR" altLang="en-US" smtClean="0"/>
-              <a:t>2020-05-19</a:t>
+              <a:t>2020-05-24</a:t>
             </a:fld>
             <a:endParaRPr lang="ko-KR" altLang="en-US"/>
           </a:p>
@@ -6808,32 +6813,36 @@
           <a:lstStyle/>
           <a:p>
             <a:r>
-              <a:rPr lang="ko-KR" altLang="en-US" sz="2000"/>
-              <a:t>게임오브젝트의 묶음</a:t>
-            </a:r>
-            <a:r>
-              <a:rPr lang="en-US" altLang="ko-KR" sz="2000"/>
+              <a:rPr lang="ko-KR" altLang="en-US" sz="2000" dirty="0" err="1"/>
+              <a:t>게임오브젝트의</a:t>
+            </a:r>
+            <a:r>
+              <a:rPr lang="ko-KR" altLang="en-US" sz="2000" dirty="0"/>
+              <a:t> 묶음</a:t>
+            </a:r>
+            <a:r>
+              <a:rPr lang="en-US" altLang="ko-KR" sz="2000" dirty="0"/>
               <a:t>, </a:t>
             </a:r>
             <a:r>
-              <a:rPr lang="ko-KR" altLang="en-US" sz="2000"/>
+              <a:rPr lang="ko-KR" altLang="en-US" sz="2000" dirty="0"/>
               <a:t>템플릿</a:t>
             </a:r>
-            <a:endParaRPr lang="en-US" altLang="ko-KR" sz="2000"/>
-          </a:p>
-          <a:p>
-            <a:endParaRPr lang="en-US" altLang="ko-KR" sz="2000"/>
-          </a:p>
-          <a:p>
-            <a:r>
-              <a:rPr lang="ko-KR" altLang="en-US" sz="2000"/>
+            <a:endParaRPr lang="en-US" altLang="ko-KR" sz="2000" dirty="0"/>
+          </a:p>
+          <a:p>
+            <a:endParaRPr lang="en-US" altLang="ko-KR" sz="2000" dirty="0"/>
+          </a:p>
+          <a:p>
+            <a:r>
+              <a:rPr lang="ko-KR" altLang="en-US" sz="2000" dirty="0"/>
               <a:t>원본 데이터를 기준으로 작동</a:t>
             </a:r>
-            <a:endParaRPr lang="en-US" altLang="ko-KR" sz="2000"/>
-          </a:p>
-          <a:p>
-            <a:r>
-              <a:rPr lang="ko-KR" altLang="en-US" sz="2000"/>
+            <a:endParaRPr lang="en-US" altLang="ko-KR" sz="2000" dirty="0"/>
+          </a:p>
+          <a:p>
+            <a:r>
+              <a:rPr lang="ko-KR" altLang="en-US" sz="2000" dirty="0"/>
               <a:t>고유한 원본 데이터는 따로 관리한다</a:t>
             </a:r>
           </a:p>
@@ -8454,14 +8463,14 @@
           <a:lstStyle/>
           <a:p>
             <a:r>
-              <a:rPr lang="ko-KR" altLang="en-US" sz="1800"/>
+              <a:rPr lang="ko-KR" altLang="en-US" sz="1800" dirty="0"/>
               <a:t>자유롭게 오브젝트를 편집할 수 있는 곳</a:t>
             </a:r>
-            <a:endParaRPr lang="en-US" altLang="ko-KR" sz="1800"/>
-          </a:p>
-          <a:p>
-            <a:r>
-              <a:rPr lang="ko-KR" altLang="en-US" sz="1800"/>
+            <a:endParaRPr lang="en-US" altLang="ko-KR" sz="1800" dirty="0"/>
+          </a:p>
+          <a:p>
+            <a:r>
+              <a:rPr lang="ko-KR" altLang="en-US" sz="1800" dirty="0"/>
               <a:t>카메라부터 광원까지 모두 조정할 수 있다 </a:t>
             </a:r>
           </a:p>
@@ -8996,67 +9005,67 @@
           <a:lstStyle/>
           <a:p>
             <a:r>
-              <a:rPr lang="ko-KR" altLang="en-US" sz="1800"/>
+              <a:rPr lang="ko-KR" altLang="en-US" sz="1800" dirty="0"/>
               <a:t>씬 뷰를 촬영한 카메라 화면이 나오는 곳</a:t>
             </a:r>
-            <a:endParaRPr lang="en-US" altLang="ko-KR" sz="1800"/>
+            <a:endParaRPr lang="en-US" altLang="ko-KR" sz="1800" dirty="0"/>
           </a:p>
           <a:p>
             <a:pPr marL="0" indent="0">
               <a:buNone/>
             </a:pPr>
-            <a:endParaRPr lang="en-US" altLang="ko-KR" sz="1800"/>
-          </a:p>
-          <a:p>
-            <a:r>
-              <a:rPr lang="ko-KR" altLang="en-US" sz="1800"/>
+            <a:endParaRPr lang="en-US" altLang="ko-KR" sz="1800" dirty="0"/>
+          </a:p>
+          <a:p>
+            <a:r>
+              <a:rPr lang="ko-KR" altLang="en-US" sz="1800" dirty="0"/>
               <a:t>입력을 받는 뷰 </a:t>
             </a:r>
             <a:r>
-              <a:rPr lang="en-US" altLang="ko-KR" sz="1800"/>
+              <a:rPr lang="en-US" altLang="ko-KR" sz="1800" dirty="0"/>
               <a:t>(</a:t>
             </a:r>
             <a:r>
-              <a:rPr lang="ko-KR" altLang="en-US" sz="1800"/>
+              <a:rPr lang="ko-KR" altLang="en-US" sz="1800" dirty="0"/>
               <a:t>클릭을 할 수 있는 곳</a:t>
             </a:r>
             <a:r>
-              <a:rPr lang="en-US" altLang="ko-KR" sz="1800"/>
+              <a:rPr lang="en-US" altLang="ko-KR" sz="1800" dirty="0"/>
               <a:t>)</a:t>
             </a:r>
           </a:p>
           <a:p>
             <a:pPr lvl="1"/>
             <a:r>
-              <a:rPr lang="ko-KR" altLang="en-US" sz="1800"/>
+              <a:rPr lang="ko-KR" altLang="en-US" sz="1800" dirty="0"/>
               <a:t>내가 만든 게임이 작동하는지 확인할 수 있다</a:t>
             </a:r>
-            <a:endParaRPr lang="en-US" altLang="ko-KR" sz="1800"/>
+            <a:endParaRPr lang="en-US" altLang="ko-KR" sz="1800" dirty="0"/>
           </a:p>
           <a:p>
             <a:pPr marL="457200" lvl="1" indent="0">
               <a:buNone/>
             </a:pPr>
-            <a:endParaRPr lang="en-US" altLang="ko-KR" sz="1800"/>
-          </a:p>
-          <a:p>
-            <a:r>
-              <a:rPr lang="ko-KR" altLang="en-US" sz="1800"/>
+            <a:endParaRPr lang="en-US" altLang="ko-KR" sz="1800" dirty="0"/>
+          </a:p>
+          <a:p>
+            <a:r>
+              <a:rPr lang="ko-KR" altLang="en-US" sz="1800" dirty="0"/>
               <a:t>내가 원하는 화면이 나왔는지 확인 할 수 있다</a:t>
             </a:r>
-            <a:endParaRPr lang="en-US" altLang="ko-KR" sz="1800"/>
+            <a:endParaRPr lang="en-US" altLang="ko-KR" sz="1800" dirty="0"/>
           </a:p>
           <a:p>
             <a:pPr lvl="1"/>
             <a:r>
-              <a:rPr lang="ko-KR" altLang="en-US" sz="1800"/>
+              <a:rPr lang="ko-KR" altLang="en-US" sz="1800" dirty="0"/>
               <a:t>실제 게임 모습 확인 가능</a:t>
             </a:r>
-            <a:endParaRPr lang="en-US" altLang="ko-KR" sz="1800"/>
+            <a:endParaRPr lang="en-US" altLang="ko-KR" sz="1800" dirty="0"/>
           </a:p>
           <a:p>
             <a:pPr lvl="1"/>
-            <a:endParaRPr lang="en-US" altLang="ko-KR" sz="1800"/>
+            <a:endParaRPr lang="en-US" altLang="ko-KR" sz="1800" dirty="0"/>
           </a:p>
         </p:txBody>
       </p:sp>
@@ -9586,28 +9595,32 @@
           <a:lstStyle/>
           <a:p>
             <a:r>
-              <a:rPr lang="ko-KR" altLang="en-US" sz="1800"/>
-              <a:t>씬뷰에 있는 오브젝트들의 목록을 표시하는 뷰</a:t>
-            </a:r>
-            <a:endParaRPr lang="en-US" altLang="ko-KR" sz="1800"/>
-          </a:p>
-          <a:p>
-            <a:endParaRPr lang="en-US" altLang="ko-KR" sz="1800"/>
-          </a:p>
-          <a:p>
-            <a:r>
-              <a:rPr lang="ko-KR" altLang="en-US" sz="1800"/>
+              <a:rPr lang="ko-KR" altLang="en-US" sz="1800" dirty="0" err="1"/>
+              <a:t>씬뷰에</a:t>
+            </a:r>
+            <a:r>
+              <a:rPr lang="ko-KR" altLang="en-US" sz="1800" dirty="0"/>
+              <a:t> 있는 오브젝트들의 목록을 표시하는 뷰</a:t>
+            </a:r>
+            <a:endParaRPr lang="en-US" altLang="ko-KR" sz="1800" dirty="0"/>
+          </a:p>
+          <a:p>
+            <a:endParaRPr lang="en-US" altLang="ko-KR" sz="1800" dirty="0"/>
+          </a:p>
+          <a:p>
+            <a:r>
+              <a:rPr lang="ko-KR" altLang="en-US" sz="1800" dirty="0"/>
               <a:t>게임을 만들면 오브젝트가 많이 필요하다</a:t>
             </a:r>
-            <a:endParaRPr lang="en-US" altLang="ko-KR" sz="1800"/>
+            <a:endParaRPr lang="en-US" altLang="ko-KR" sz="1800" dirty="0"/>
           </a:p>
           <a:p>
             <a:pPr lvl="1"/>
             <a:r>
-              <a:rPr lang="ko-KR" altLang="en-US" sz="1800"/>
+              <a:rPr lang="ko-KR" altLang="en-US" sz="1800" dirty="0"/>
               <a:t>따라서 이것을 관리하기 위한 뷰가 필요하다</a:t>
             </a:r>
-            <a:endParaRPr lang="en-US" altLang="ko-KR" sz="1800"/>
+            <a:endParaRPr lang="en-US" altLang="ko-KR" sz="1800" dirty="0"/>
           </a:p>
         </p:txBody>
       </p:sp>
@@ -11231,13 +11244,8 @@
             </a:pPr>
             <a:r>
               <a:rPr lang="ko-KR" altLang="en-US" sz="2000" dirty="0"/>
-              <a:t>입력 처리 </a:t>
-            </a:r>
-            <a:r>
-              <a:rPr lang="en-US" altLang="ko-KR" sz="2000" dirty="0"/>
-              <a:t>-1</a:t>
-            </a:r>
-            <a:endParaRPr lang="ko-KR" altLang="en-US" sz="2000" dirty="0"/>
+              <a:t>실습</a:t>
+            </a:r>
           </a:p>
           <a:p>
             <a:pPr marL="0" indent="0">
@@ -11900,9 +11908,14 @@
           <a:lstStyle/>
           <a:p>
             <a:r>
-              <a:rPr lang="ko-KR" altLang="en-US" sz="4000"/>
-              <a:t>유니티 씬 이동법</a:t>
-            </a:r>
+              <a:rPr lang="ko-KR" altLang="en-US" sz="4000" dirty="0"/>
+              <a:t>유니티 씬 </a:t>
+            </a:r>
+            <a:r>
+              <a:rPr lang="ko-KR" altLang="en-US" sz="4000" dirty="0" err="1"/>
+              <a:t>이동법</a:t>
+            </a:r>
+            <a:endParaRPr lang="ko-KR" altLang="en-US" sz="4000" dirty="0"/>
           </a:p>
         </p:txBody>
       </p:sp>
@@ -12006,11 +12019,11 @@
               <a:buAutoNum type="arabicPeriod"/>
             </a:pPr>
             <a:r>
-              <a:rPr lang="ko-KR" altLang="en-US" sz="2200"/>
+              <a:rPr lang="ko-KR" altLang="en-US" sz="2200" dirty="0"/>
               <a:t>우측 마우스 누르면서 </a:t>
             </a:r>
             <a:r>
-              <a:rPr lang="en-US" altLang="ko-KR" sz="2200"/>
+              <a:rPr lang="en-US" altLang="ko-KR" sz="2200" dirty="0"/>
               <a:t>WASD + QE</a:t>
             </a:r>
           </a:p>
@@ -12019,15 +12032,15 @@
               <a:buNone/>
             </a:pPr>
             <a:r>
-              <a:rPr lang="en-US" altLang="ko-KR" sz="2200"/>
+              <a:rPr lang="en-US" altLang="ko-KR" sz="2200" dirty="0"/>
               <a:t>(Shift</a:t>
             </a:r>
             <a:r>
-              <a:rPr lang="ko-KR" altLang="en-US" sz="2200"/>
+              <a:rPr lang="ko-KR" altLang="en-US" sz="2200" dirty="0"/>
               <a:t> 이동속도 증가</a:t>
             </a:r>
             <a:r>
-              <a:rPr lang="en-US" altLang="ko-KR" sz="2200"/>
+              <a:rPr lang="en-US" altLang="ko-KR" sz="2200" dirty="0"/>
               <a:t>)</a:t>
             </a:r>
           </a:p>
@@ -12036,28 +12049,28 @@
               <a:buAutoNum type="arabicPeriod" startAt="2"/>
             </a:pPr>
             <a:r>
-              <a:rPr lang="ko-KR" altLang="en-US" sz="2200"/>
+              <a:rPr lang="ko-KR" altLang="en-US" sz="2200" dirty="0"/>
               <a:t>우측 마우스 누르고 화면 끌기</a:t>
             </a:r>
-            <a:endParaRPr lang="en-US" altLang="ko-KR" sz="2200"/>
+            <a:endParaRPr lang="en-US" altLang="ko-KR" sz="2200" dirty="0"/>
           </a:p>
           <a:p>
             <a:pPr marL="514350" indent="-514350">
               <a:buAutoNum type="arabicPeriod" startAt="2"/>
             </a:pPr>
             <a:r>
-              <a:rPr lang="ko-KR" altLang="en-US" sz="2200"/>
+              <a:rPr lang="ko-KR" altLang="en-US" sz="2200" dirty="0"/>
               <a:t>물체 클릭 후 </a:t>
             </a:r>
             <a:r>
-              <a:rPr lang="en-US" altLang="ko-KR" sz="2200"/>
+              <a:rPr lang="en-US" altLang="ko-KR" sz="2200" dirty="0"/>
               <a:t>F</a:t>
             </a:r>
             <a:r>
-              <a:rPr lang="ko-KR" altLang="en-US" sz="2200"/>
+              <a:rPr lang="ko-KR" altLang="en-US" sz="2200" dirty="0"/>
               <a:t>키 물체로 이동</a:t>
             </a:r>
-            <a:endParaRPr lang="en-US" altLang="ko-KR" sz="2200"/>
+            <a:endParaRPr lang="en-US" altLang="ko-KR" sz="2200" dirty="0"/>
           </a:p>
         </p:txBody>
       </p:sp>
@@ -12075,6 +12088,3094 @@
 </file>
 
 <file path=ppt/slides/slide21.xml><?xml version="1.0" encoding="utf-8"?>
+<p:sld xmlns:a="http://schemas.openxmlformats.org/drawingml/2006/main" xmlns:r="http://schemas.openxmlformats.org/officeDocument/2006/relationships" xmlns:p="http://schemas.openxmlformats.org/presentationml/2006/main">
+  <p:cSld>
+    <p:bg>
+      <p:bgPr>
+        <a:solidFill>
+          <a:schemeClr val="bg1"/>
+        </a:solidFill>
+        <a:effectLst/>
+      </p:bgPr>
+    </p:bg>
+    <p:spTree>
+      <p:nvGrpSpPr>
+        <p:cNvPr id="1" name=""/>
+        <p:cNvGrpSpPr/>
+        <p:nvPr/>
+      </p:nvGrpSpPr>
+      <p:grpSpPr>
+        <a:xfrm>
+          <a:off x="0" y="0"/>
+          <a:ext cx="0" cy="0"/>
+          <a:chOff x="0" y="0"/>
+          <a:chExt cx="0" cy="0"/>
+        </a:xfrm>
+      </p:grpSpPr>
+      <p:sp>
+        <p:nvSpPr>
+          <p:cNvPr id="2" name="제목 1">
+            <a:extLst>
+              <a:ext uri="{FF2B5EF4-FFF2-40B4-BE49-F238E27FC236}">
+                <a16:creationId xmlns:a16="http://schemas.microsoft.com/office/drawing/2014/main" id="{CC83E537-6BD0-4627-9B51-EC846B4393A2}"/>
+              </a:ext>
+            </a:extLst>
+          </p:cNvPr>
+          <p:cNvSpPr>
+            <a:spLocks noGrp="1"/>
+          </p:cNvSpPr>
+          <p:nvPr>
+            <p:ph type="title"/>
+          </p:nvPr>
+        </p:nvSpPr>
+        <p:spPr>
+          <a:xfrm>
+            <a:off x="838200" y="365125"/>
+            <a:ext cx="10515600" cy="1325563"/>
+          </a:xfrm>
+        </p:spPr>
+        <p:txBody>
+          <a:bodyPr>
+            <a:normAutofit/>
+          </a:bodyPr>
+          <a:lstStyle/>
+          <a:p>
+            <a:r>
+              <a:rPr lang="ko-KR" altLang="en-US" dirty="0" err="1"/>
+              <a:t>게임오브젝트</a:t>
+            </a:r>
+            <a:r>
+              <a:rPr lang="ko-KR" altLang="en-US" dirty="0"/>
+              <a:t> 조작하기</a:t>
+            </a:r>
+          </a:p>
+        </p:txBody>
+      </p:sp>
+      <p:sp>
+        <p:nvSpPr>
+          <p:cNvPr id="3" name="내용 개체 틀 2">
+            <a:extLst>
+              <a:ext uri="{FF2B5EF4-FFF2-40B4-BE49-F238E27FC236}">
+                <a16:creationId xmlns:a16="http://schemas.microsoft.com/office/drawing/2014/main" id="{95BCA49B-5712-4A46-811E-0D8CC50A44AB}"/>
+              </a:ext>
+            </a:extLst>
+          </p:cNvPr>
+          <p:cNvSpPr>
+            <a:spLocks noGrp="1"/>
+          </p:cNvSpPr>
+          <p:nvPr>
+            <p:ph idx="1"/>
+          </p:nvPr>
+        </p:nvSpPr>
+        <p:spPr>
+          <a:xfrm>
+            <a:off x="838201" y="2015734"/>
+            <a:ext cx="7291667" cy="3450613"/>
+          </a:xfrm>
+        </p:spPr>
+        <p:txBody>
+          <a:bodyPr anchor="ctr">
+            <a:normAutofit/>
+          </a:bodyPr>
+          <a:lstStyle/>
+          <a:p>
+            <a:pPr>
+              <a:buClr>
+                <a:srgbClr val="435168"/>
+              </a:buClr>
+            </a:pPr>
+            <a:r>
+              <a:rPr lang="ko-KR" altLang="en-US" sz="2400" dirty="0"/>
+              <a:t>조작에 필요한 도구</a:t>
+            </a:r>
+            <a:r>
+              <a:rPr lang="en-US" altLang="ko-KR" sz="2400" dirty="0"/>
+              <a:t>(Gizmo)</a:t>
+            </a:r>
+            <a:r>
+              <a:rPr lang="ko-KR" altLang="en-US" sz="2400" dirty="0" err="1"/>
+              <a:t>기즈모</a:t>
+            </a:r>
+            <a:endParaRPr lang="en-US" altLang="ko-KR" sz="2400" dirty="0"/>
+          </a:p>
+          <a:p>
+            <a:pPr>
+              <a:buClr>
+                <a:srgbClr val="435168"/>
+              </a:buClr>
+            </a:pPr>
+            <a:r>
+              <a:rPr lang="ko-KR" altLang="en-US" sz="2400" dirty="0"/>
+              <a:t>조작 모드 바꾸기</a:t>
+            </a:r>
+            <a:r>
+              <a:rPr lang="en-US" altLang="ko-KR" sz="2400" dirty="0"/>
+              <a:t>(QWERTY)</a:t>
+            </a:r>
+          </a:p>
+          <a:p>
+            <a:pPr>
+              <a:buClr>
+                <a:srgbClr val="435168"/>
+              </a:buClr>
+            </a:pPr>
+            <a:endParaRPr lang="en-US" altLang="ko-KR" sz="2400" dirty="0"/>
+          </a:p>
+          <a:p>
+            <a:pPr>
+              <a:buClr>
+                <a:srgbClr val="435168"/>
+              </a:buClr>
+            </a:pPr>
+            <a:endParaRPr lang="en-US" altLang="ko-KR" sz="2400" dirty="0"/>
+          </a:p>
+          <a:p>
+            <a:pPr>
+              <a:buClr>
+                <a:srgbClr val="435168"/>
+              </a:buClr>
+            </a:pPr>
+            <a:r>
+              <a:rPr lang="ko-KR" altLang="en-US" sz="2400" dirty="0" err="1"/>
+              <a:t>기즈모</a:t>
+            </a:r>
+            <a:r>
+              <a:rPr lang="ko-KR" altLang="en-US" sz="2400" dirty="0"/>
+              <a:t> 중간 클릭 시 원근감을 끌 수 있음</a:t>
+            </a:r>
+          </a:p>
+        </p:txBody>
+      </p:sp>
+      <p:grpSp>
+        <p:nvGrpSpPr>
+          <p:cNvPr id="11" name="Group 10">
+            <a:extLst>
+              <a:ext uri="{FF2B5EF4-FFF2-40B4-BE49-F238E27FC236}">
+                <a16:creationId xmlns:a16="http://schemas.microsoft.com/office/drawing/2014/main" id="{86B9D198-D4E4-4CB6-BEE2-54E9BE6EBFBA}"/>
+              </a:ext>
+              <a:ext uri="{C183D7F6-B498-43B3-948B-1728B52AA6E4}">
+                <adec:decorative xmlns:adec="http://schemas.microsoft.com/office/drawing/2017/decorative" val="1"/>
+              </a:ext>
+            </a:extLst>
+          </p:cNvPr>
+          <p:cNvGrpSpPr>
+            <a:grpSpLocks noGrp="1" noUngrp="1" noRot="1" noChangeAspect="1" noMove="1" noResize="1"/>
+          </p:cNvGrpSpPr>
+          <p:nvPr>
+            <p:extLst>
+              <p:ext uri="{386F3935-93C4-4BCD-93E2-E3B085C9AB24}">
+                <p16:designElem xmlns:p16="http://schemas.microsoft.com/office/powerpoint/2015/main" val="1"/>
+              </p:ext>
+            </p:extLst>
+          </p:nvPr>
+        </p:nvGrpSpPr>
+        <p:grpSpPr>
+          <a:xfrm>
+            <a:off x="9164091" y="2162236"/>
+            <a:ext cx="1993686" cy="2533528"/>
+            <a:chOff x="7807230" y="2012810"/>
+            <a:chExt cx="3251252" cy="3459865"/>
+          </a:xfrm>
+        </p:grpSpPr>
+        <p:sp>
+          <p:nvSpPr>
+            <p:cNvPr id="12" name="Rectangle 11">
+              <a:extLst>
+                <a:ext uri="{FF2B5EF4-FFF2-40B4-BE49-F238E27FC236}">
+                  <a16:creationId xmlns:a16="http://schemas.microsoft.com/office/drawing/2014/main" id="{B34CAB50-ADBF-4507-BD9E-118CC0FFFCF6}"/>
+                </a:ext>
+                <a:ext uri="{C183D7F6-B498-43B3-948B-1728B52AA6E4}">
+                  <adec:decorative xmlns:adec="http://schemas.microsoft.com/office/drawing/2017/decorative" val="1"/>
+                </a:ext>
+              </a:extLst>
+            </p:cNvPr>
+            <p:cNvSpPr/>
+            <p:nvPr>
+              <p:extLst>
+                <p:ext uri="{386F3935-93C4-4BCD-93E2-E3B085C9AB24}">
+                  <p16:designElem xmlns:p16="http://schemas.microsoft.com/office/powerpoint/2015/main" val="1"/>
+                </p:ext>
+              </p:extLst>
+            </p:nvPr>
+          </p:nvSpPr>
+          <p:spPr>
+            <a:xfrm>
+              <a:off x="7807230" y="2012810"/>
+              <a:ext cx="3251252" cy="3459865"/>
+            </a:xfrm>
+            <a:prstGeom prst="rect">
+              <a:avLst/>
+            </a:prstGeom>
+            <a:gradFill>
+              <a:gsLst>
+                <a:gs pos="0">
+                  <a:srgbClr val="000001"/>
+                </a:gs>
+                <a:gs pos="100000">
+                  <a:srgbClr val="191919"/>
+                </a:gs>
+              </a:gsLst>
+            </a:gradFill>
+            <a:ln w="76200" cmpd="sng">
+              <a:noFill/>
+              <a:miter lim="800000"/>
+            </a:ln>
+            <a:effectLst>
+              <a:outerShdw blurRad="127000" dist="190500" dir="4740000" sx="98000" sy="98000" algn="tl" rotWithShape="0">
+                <a:srgbClr val="000000">
+                  <a:alpha val="34000"/>
+                </a:srgbClr>
+              </a:outerShdw>
+            </a:effectLst>
+            <a:scene3d>
+              <a:camera prst="orthographicFront"/>
+              <a:lightRig rig="threePt" dir="t"/>
+            </a:scene3d>
+            <a:sp3d>
+              <a:bevelT w="152400" h="50800" prst="softRound"/>
+            </a:sp3d>
+          </p:spPr>
+          <p:style>
+            <a:lnRef idx="1">
+              <a:schemeClr val="accent1"/>
+            </a:lnRef>
+            <a:fillRef idx="3">
+              <a:schemeClr val="accent1"/>
+            </a:fillRef>
+            <a:effectRef idx="2">
+              <a:schemeClr val="accent1"/>
+            </a:effectRef>
+            <a:fontRef idx="minor">
+              <a:schemeClr val="lt1"/>
+            </a:fontRef>
+          </p:style>
+          <p:txBody>
+            <a:bodyPr rtlCol="0" anchor="ctr"/>
+            <a:lstStyle/>
+            <a:p>
+              <a:pPr algn="ctr"/>
+              <a:endParaRPr lang="en-US"/>
+            </a:p>
+          </p:txBody>
+        </p:sp>
+        <p:sp>
+          <p:nvSpPr>
+            <p:cNvPr id="13" name="Rectangle 12">
+              <a:extLst>
+                <a:ext uri="{FF2B5EF4-FFF2-40B4-BE49-F238E27FC236}">
+                  <a16:creationId xmlns:a16="http://schemas.microsoft.com/office/drawing/2014/main" id="{F175122F-0AD8-477D-8078-E8D1BBB04C0A}"/>
+                </a:ext>
+                <a:ext uri="{C183D7F6-B498-43B3-948B-1728B52AA6E4}">
+                  <adec:decorative xmlns:adec="http://schemas.microsoft.com/office/drawing/2017/decorative" val="1"/>
+                </a:ext>
+              </a:extLst>
+            </p:cNvPr>
+            <p:cNvSpPr/>
+            <p:nvPr>
+              <p:extLst>
+                <p:ext uri="{386F3935-93C4-4BCD-93E2-E3B085C9AB24}">
+                  <p16:designElem xmlns:p16="http://schemas.microsoft.com/office/powerpoint/2015/main" val="1"/>
+                </p:ext>
+              </p:extLst>
+            </p:nvPr>
+          </p:nvSpPr>
+          <p:spPr>
+            <a:xfrm>
+              <a:off x="7807231" y="2026142"/>
+              <a:ext cx="3251250" cy="3440203"/>
+            </a:xfrm>
+            <a:prstGeom prst="rect">
+              <a:avLst/>
+            </a:prstGeom>
+            <a:gradFill>
+              <a:gsLst>
+                <a:gs pos="0">
+                  <a:srgbClr val="DADADA"/>
+                </a:gs>
+                <a:gs pos="100000">
+                  <a:srgbClr val="FFFFFE"/>
+                </a:gs>
+              </a:gsLst>
+              <a:lin ang="16200000" scaled="0"/>
+            </a:gradFill>
+            <a:ln w="76200" cmpd="sng">
+              <a:solidFill>
+                <a:srgbClr val="2D2D2D"/>
+              </a:solidFill>
+              <a:miter lim="800000"/>
+            </a:ln>
+            <a:effectLst>
+              <a:innerShdw blurRad="63500" dist="88900" dir="14100000">
+                <a:srgbClr val="000000">
+                  <a:alpha val="30000"/>
+                </a:srgbClr>
+              </a:innerShdw>
+            </a:effectLst>
+            <a:scene3d>
+              <a:camera prst="orthographicFront"/>
+              <a:lightRig rig="threePt" dir="t"/>
+            </a:scene3d>
+            <a:sp3d>
+              <a:bevelT w="38100" h="38100" prst="relaxedInset"/>
+            </a:sp3d>
+          </p:spPr>
+          <p:style>
+            <a:lnRef idx="1">
+              <a:schemeClr val="accent1"/>
+            </a:lnRef>
+            <a:fillRef idx="3">
+              <a:schemeClr val="accent1"/>
+            </a:fillRef>
+            <a:effectRef idx="2">
+              <a:schemeClr val="accent1"/>
+            </a:effectRef>
+            <a:fontRef idx="minor">
+              <a:schemeClr val="lt1"/>
+            </a:fontRef>
+          </p:style>
+          <p:txBody>
+            <a:bodyPr rtlCol="0" anchor="ctr"/>
+            <a:lstStyle/>
+            <a:p>
+              <a:pPr algn="ctr"/>
+              <a:endParaRPr lang="en-US"/>
+            </a:p>
+          </p:txBody>
+        </p:sp>
+      </p:grpSp>
+      <p:pic>
+        <p:nvPicPr>
+          <p:cNvPr id="6" name="그림 5">
+            <a:extLst>
+              <a:ext uri="{FF2B5EF4-FFF2-40B4-BE49-F238E27FC236}">
+                <a16:creationId xmlns:a16="http://schemas.microsoft.com/office/drawing/2014/main" id="{88183A9B-2D73-4EBD-86BE-2C738B820DAA}"/>
+              </a:ext>
+            </a:extLst>
+          </p:cNvPr>
+          <p:cNvPicPr>
+            <a:picLocks noChangeAspect="1"/>
+          </p:cNvPicPr>
+          <p:nvPr/>
+        </p:nvPicPr>
+        <p:blipFill rotWithShape="1">
+          <a:blip r:embed="rId2"/>
+          <a:srcRect l="19493" r="-2" b="-2"/>
+          <a:stretch/>
+        </p:blipFill>
+        <p:spPr>
+          <a:xfrm>
+            <a:off x="9279020" y="2280662"/>
+            <a:ext cx="1771438" cy="2292037"/>
+          </a:xfrm>
+          <a:prstGeom prst="rect">
+            <a:avLst/>
+          </a:prstGeom>
+        </p:spPr>
+      </p:pic>
+      <p:pic>
+        <p:nvPicPr>
+          <p:cNvPr id="5" name="그림 4">
+            <a:extLst>
+              <a:ext uri="{FF2B5EF4-FFF2-40B4-BE49-F238E27FC236}">
+                <a16:creationId xmlns:a16="http://schemas.microsoft.com/office/drawing/2014/main" id="{CCBB901D-C52E-40DB-894C-768AA2A4D18C}"/>
+              </a:ext>
+            </a:extLst>
+          </p:cNvPr>
+          <p:cNvPicPr>
+            <a:picLocks noChangeAspect="1"/>
+          </p:cNvPicPr>
+          <p:nvPr/>
+        </p:nvPicPr>
+        <p:blipFill>
+          <a:blip r:embed="rId3"/>
+          <a:stretch>
+            <a:fillRect/>
+          </a:stretch>
+        </p:blipFill>
+        <p:spPr>
+          <a:xfrm>
+            <a:off x="1034222" y="3545777"/>
+            <a:ext cx="5061777" cy="678212"/>
+          </a:xfrm>
+          <a:prstGeom prst="rect">
+            <a:avLst/>
+          </a:prstGeom>
+        </p:spPr>
+      </p:pic>
+    </p:spTree>
+    <p:extLst>
+      <p:ext uri="{BB962C8B-B14F-4D97-AF65-F5344CB8AC3E}">
+        <p14:creationId xmlns:p14="http://schemas.microsoft.com/office/powerpoint/2010/main" val="4041930236"/>
+      </p:ext>
+    </p:extLst>
+  </p:cSld>
+  <p:clrMapOvr>
+    <a:masterClrMapping/>
+  </p:clrMapOvr>
+</p:sld>
+</file>
+
+<file path=ppt/slides/slide22.xml><?xml version="1.0" encoding="utf-8"?>
+<p:sld xmlns:a="http://schemas.openxmlformats.org/drawingml/2006/main" xmlns:r="http://schemas.openxmlformats.org/officeDocument/2006/relationships" xmlns:p="http://schemas.openxmlformats.org/presentationml/2006/main">
+  <p:cSld>
+    <p:bg>
+      <p:bgPr>
+        <a:solidFill>
+          <a:schemeClr val="bg1"/>
+        </a:solidFill>
+        <a:effectLst/>
+      </p:bgPr>
+    </p:bg>
+    <p:spTree>
+      <p:nvGrpSpPr>
+        <p:cNvPr id="1" name=""/>
+        <p:cNvGrpSpPr/>
+        <p:nvPr/>
+      </p:nvGrpSpPr>
+      <p:grpSpPr>
+        <a:xfrm>
+          <a:off x="0" y="0"/>
+          <a:ext cx="0" cy="0"/>
+          <a:chOff x="0" y="0"/>
+          <a:chExt cx="0" cy="0"/>
+        </a:xfrm>
+      </p:grpSpPr>
+      <p:sp useBgFill="1">
+        <p:nvSpPr>
+          <p:cNvPr id="18" name="Rectangle 17">
+            <a:extLst>
+              <a:ext uri="{FF2B5EF4-FFF2-40B4-BE49-F238E27FC236}">
+                <a16:creationId xmlns:a16="http://schemas.microsoft.com/office/drawing/2014/main" id="{BAD76F3E-3A97-486B-B402-44400A8B9173}"/>
+              </a:ext>
+              <a:ext uri="{C183D7F6-B498-43B3-948B-1728B52AA6E4}">
+                <adec:decorative xmlns:adec="http://schemas.microsoft.com/office/drawing/2017/decorative" val="1"/>
+              </a:ext>
+            </a:extLst>
+          </p:cNvPr>
+          <p:cNvSpPr>
+            <a:spLocks noGrp="1" noRot="1" noChangeAspect="1" noMove="1" noResize="1" noEditPoints="1" noAdjustHandles="1" noChangeArrowheads="1" noChangeShapeType="1" noTextEdit="1"/>
+          </p:cNvSpPr>
+          <p:nvPr>
+            <p:extLst>
+              <p:ext uri="{386F3935-93C4-4BCD-93E2-E3B085C9AB24}">
+                <p16:designElem xmlns:p16="http://schemas.microsoft.com/office/powerpoint/2015/main" val="1"/>
+              </p:ext>
+            </p:extLst>
+          </p:nvPr>
+        </p:nvSpPr>
+        <p:spPr>
+          <a:xfrm>
+            <a:off x="0" y="0"/>
+            <a:ext cx="12192000" cy="6858000"/>
+          </a:xfrm>
+          <a:prstGeom prst="rect">
+            <a:avLst/>
+          </a:prstGeom>
+          <a:ln>
+            <a:noFill/>
+          </a:ln>
+        </p:spPr>
+        <p:style>
+          <a:lnRef idx="2">
+            <a:schemeClr val="accent1">
+              <a:shade val="50000"/>
+            </a:schemeClr>
+          </a:lnRef>
+          <a:fillRef idx="1">
+            <a:schemeClr val="accent1"/>
+          </a:fillRef>
+          <a:effectRef idx="0">
+            <a:schemeClr val="accent1"/>
+          </a:effectRef>
+          <a:fontRef idx="minor">
+            <a:schemeClr val="lt1"/>
+          </a:fontRef>
+        </p:style>
+        <p:txBody>
+          <a:bodyPr rtlCol="0" anchor="ctr"/>
+          <a:lstStyle/>
+          <a:p>
+            <a:pPr algn="ctr"/>
+            <a:endParaRPr lang="en-US"/>
+          </a:p>
+        </p:txBody>
+      </p:sp>
+      <p:sp>
+        <p:nvSpPr>
+          <p:cNvPr id="2" name="제목 1">
+            <a:extLst>
+              <a:ext uri="{FF2B5EF4-FFF2-40B4-BE49-F238E27FC236}">
+                <a16:creationId xmlns:a16="http://schemas.microsoft.com/office/drawing/2014/main" id="{EEF76DC2-3BC5-4175-BC46-3F52145F5970}"/>
+              </a:ext>
+            </a:extLst>
+          </p:cNvPr>
+          <p:cNvSpPr>
+            <a:spLocks noGrp="1"/>
+          </p:cNvSpPr>
+          <p:nvPr>
+            <p:ph type="title"/>
+          </p:nvPr>
+        </p:nvSpPr>
+        <p:spPr>
+          <a:xfrm>
+            <a:off x="838199" y="1093788"/>
+            <a:ext cx="10506455" cy="2967208"/>
+          </a:xfrm>
+        </p:spPr>
+        <p:txBody>
+          <a:bodyPr vert="horz" lIns="91440" tIns="45720" rIns="91440" bIns="45720" rtlCol="0" anchor="b">
+            <a:normAutofit/>
+          </a:bodyPr>
+          <a:lstStyle/>
+          <a:p>
+            <a:pPr latinLnBrk="0"/>
+            <a:r>
+              <a:rPr lang="ko-KR" altLang="en-US" sz="8000" dirty="0"/>
+              <a:t>카메라</a:t>
+            </a:r>
+            <a:endParaRPr lang="ko-KR" altLang="en-US" sz="8000" kern="1200" dirty="0">
+              <a:solidFill>
+                <a:schemeClr val="tx1"/>
+              </a:solidFill>
+              <a:latin typeface="+mj-lt"/>
+              <a:ea typeface="+mj-ea"/>
+              <a:cs typeface="+mj-cs"/>
+            </a:endParaRPr>
+          </a:p>
+        </p:txBody>
+      </p:sp>
+      <p:sp>
+        <p:nvSpPr>
+          <p:cNvPr id="20" name="Rectangle 19">
+            <a:extLst>
+              <a:ext uri="{FF2B5EF4-FFF2-40B4-BE49-F238E27FC236}">
+                <a16:creationId xmlns:a16="http://schemas.microsoft.com/office/drawing/2014/main" id="{391F6B52-91F4-4AEB-B6DB-29FEBCF28C8B}"/>
+              </a:ext>
+              <a:ext uri="{C183D7F6-B498-43B3-948B-1728B52AA6E4}">
+                <adec:decorative xmlns:adec="http://schemas.microsoft.com/office/drawing/2017/decorative" val="1"/>
+              </a:ext>
+            </a:extLst>
+          </p:cNvPr>
+          <p:cNvSpPr>
+            <a:spLocks noGrp="1" noRot="1" noChangeAspect="1" noMove="1" noResize="1" noEditPoints="1" noAdjustHandles="1" noChangeArrowheads="1" noChangeShapeType="1" noTextEdit="1"/>
+          </p:cNvSpPr>
+          <p:nvPr>
+            <p:extLst>
+              <p:ext uri="{386F3935-93C4-4BCD-93E2-E3B085C9AB24}">
+                <p16:designElem xmlns:p16="http://schemas.microsoft.com/office/powerpoint/2015/main" val="1"/>
+              </p:ext>
+            </p:extLst>
+          </p:nvPr>
+        </p:nvSpPr>
+        <p:spPr>
+          <a:xfrm>
+            <a:off x="841248" y="4331166"/>
+            <a:ext cx="10506456" cy="18288"/>
+          </a:xfrm>
+          <a:prstGeom prst="rect">
+            <a:avLst/>
+          </a:prstGeom>
+          <a:solidFill>
+            <a:srgbClr val="D5D5D5"/>
+          </a:solidFill>
+          <a:ln w="3175">
+            <a:noFill/>
+          </a:ln>
+          <a:effectLst/>
+        </p:spPr>
+        <p:style>
+          <a:lnRef idx="2">
+            <a:schemeClr val="accent1">
+              <a:shade val="50000"/>
+            </a:schemeClr>
+          </a:lnRef>
+          <a:fillRef idx="1">
+            <a:schemeClr val="accent1"/>
+          </a:fillRef>
+          <a:effectRef idx="0">
+            <a:schemeClr val="accent1"/>
+          </a:effectRef>
+          <a:fontRef idx="minor">
+            <a:schemeClr val="lt1"/>
+          </a:fontRef>
+        </p:style>
+        <p:txBody>
+          <a:bodyPr rtlCol="0" anchor="ctr"/>
+          <a:lstStyle/>
+          <a:p>
+            <a:pPr algn="ctr"/>
+            <a:endParaRPr lang="en-US">
+              <a:solidFill>
+                <a:prstClr val="white"/>
+              </a:solidFill>
+              <a:latin typeface="Calibri" panose="020F0502020204030204"/>
+            </a:endParaRPr>
+          </a:p>
+        </p:txBody>
+      </p:sp>
+      <p:sp>
+        <p:nvSpPr>
+          <p:cNvPr id="22" name="Rectangle 21">
+            <a:extLst>
+              <a:ext uri="{FF2B5EF4-FFF2-40B4-BE49-F238E27FC236}">
+                <a16:creationId xmlns:a16="http://schemas.microsoft.com/office/drawing/2014/main" id="{2CD6F061-7C53-44F4-9794-953DB70A451B}"/>
+              </a:ext>
+              <a:ext uri="{C183D7F6-B498-43B3-948B-1728B52AA6E4}">
+                <adec:decorative xmlns:adec="http://schemas.microsoft.com/office/drawing/2017/decorative" val="1"/>
+              </a:ext>
+            </a:extLst>
+          </p:cNvPr>
+          <p:cNvSpPr>
+            <a:spLocks noGrp="1" noRot="1" noChangeAspect="1" noMove="1" noResize="1" noEditPoints="1" noAdjustHandles="1" noChangeArrowheads="1" noChangeShapeType="1" noTextEdit="1"/>
+          </p:cNvSpPr>
+          <p:nvPr>
+            <p:extLst>
+              <p:ext uri="{386F3935-93C4-4BCD-93E2-E3B085C9AB24}">
+                <p16:designElem xmlns:p16="http://schemas.microsoft.com/office/powerpoint/2015/main" val="1"/>
+              </p:ext>
+            </p:extLst>
+          </p:nvPr>
+        </p:nvSpPr>
+        <p:spPr>
+          <a:xfrm rot="5400000">
+            <a:off x="9346882" y="2348839"/>
+            <a:ext cx="54864" cy="3946779"/>
+          </a:xfrm>
+          <a:prstGeom prst="rect">
+            <a:avLst/>
+          </a:prstGeom>
+          <a:solidFill>
+            <a:schemeClr val="accent2"/>
+          </a:solidFill>
+          <a:ln>
+            <a:noFill/>
+          </a:ln>
+        </p:spPr>
+        <p:style>
+          <a:lnRef idx="2">
+            <a:schemeClr val="accent1">
+              <a:shade val="50000"/>
+            </a:schemeClr>
+          </a:lnRef>
+          <a:fillRef idx="1">
+            <a:schemeClr val="accent1"/>
+          </a:fillRef>
+          <a:effectRef idx="0">
+            <a:schemeClr val="accent1"/>
+          </a:effectRef>
+          <a:fontRef idx="minor">
+            <a:schemeClr val="lt1"/>
+          </a:fontRef>
+        </p:style>
+        <p:txBody>
+          <a:bodyPr rtlCol="0" anchor="ctr"/>
+          <a:lstStyle/>
+          <a:p>
+            <a:pPr marL="0" marR="0" lvl="0" indent="0" algn="ctr" defTabSz="914400" rtl="0" eaLnBrk="1" fontAlgn="auto" latinLnBrk="0" hangingPunct="1">
+              <a:lnSpc>
+                <a:spcPct val="100000"/>
+              </a:lnSpc>
+              <a:spcBef>
+                <a:spcPts val="0"/>
+              </a:spcBef>
+              <a:spcAft>
+                <a:spcPts val="0"/>
+              </a:spcAft>
+              <a:buClrTx/>
+              <a:buSzTx/>
+              <a:buFontTx/>
+              <a:buNone/>
+              <a:tabLst/>
+              <a:defRPr/>
+            </a:pPr>
+            <a:endParaRPr kumimoji="0" lang="en-US" sz="1800" b="0" i="0" u="none" strike="noStrike" kern="1200" cap="none" spc="0" normalizeH="0" baseline="0" noProof="0">
+              <a:ln>
+                <a:noFill/>
+              </a:ln>
+              <a:solidFill>
+                <a:prstClr val="white"/>
+              </a:solidFill>
+              <a:effectLst/>
+              <a:uLnTx/>
+              <a:uFillTx/>
+              <a:latin typeface="Calibri" panose="020F0502020204030204"/>
+              <a:ea typeface="+mn-ea"/>
+              <a:cs typeface="+mn-cs"/>
+            </a:endParaRPr>
+          </a:p>
+        </p:txBody>
+      </p:sp>
+    </p:spTree>
+    <p:extLst>
+      <p:ext uri="{BB962C8B-B14F-4D97-AF65-F5344CB8AC3E}">
+        <p14:creationId xmlns:p14="http://schemas.microsoft.com/office/powerpoint/2010/main" val="3824965964"/>
+      </p:ext>
+    </p:extLst>
+  </p:cSld>
+  <p:clrMapOvr>
+    <a:masterClrMapping/>
+  </p:clrMapOvr>
+</p:sld>
+</file>
+
+<file path=ppt/slides/slide23.xml><?xml version="1.0" encoding="utf-8"?>
+<p:sld xmlns:a="http://schemas.openxmlformats.org/drawingml/2006/main" xmlns:r="http://schemas.openxmlformats.org/officeDocument/2006/relationships" xmlns:p="http://schemas.openxmlformats.org/presentationml/2006/main">
+  <p:cSld>
+    <p:bg>
+      <p:bgPr>
+        <a:solidFill>
+          <a:schemeClr val="bg1"/>
+        </a:solidFill>
+        <a:effectLst/>
+      </p:bgPr>
+    </p:bg>
+    <p:spTree>
+      <p:nvGrpSpPr>
+        <p:cNvPr id="1" name=""/>
+        <p:cNvGrpSpPr/>
+        <p:nvPr/>
+      </p:nvGrpSpPr>
+      <p:grpSpPr>
+        <a:xfrm>
+          <a:off x="0" y="0"/>
+          <a:ext cx="0" cy="0"/>
+          <a:chOff x="0" y="0"/>
+          <a:chExt cx="0" cy="0"/>
+        </a:xfrm>
+      </p:grpSpPr>
+      <p:sp useBgFill="1">
+        <p:nvSpPr>
+          <p:cNvPr id="18" name="Rectangle 17">
+            <a:extLst>
+              <a:ext uri="{FF2B5EF4-FFF2-40B4-BE49-F238E27FC236}">
+                <a16:creationId xmlns:a16="http://schemas.microsoft.com/office/drawing/2014/main" id="{84ECDE7A-6944-466D-8FFE-149A29BA6BAE}"/>
+              </a:ext>
+              <a:ext uri="{C183D7F6-B498-43B3-948B-1728B52AA6E4}">
+                <adec:decorative xmlns:adec="http://schemas.microsoft.com/office/drawing/2017/decorative" val="1"/>
+              </a:ext>
+            </a:extLst>
+          </p:cNvPr>
+          <p:cNvSpPr>
+            <a:spLocks noGrp="1" noRot="1" noChangeAspect="1" noMove="1" noResize="1" noEditPoints="1" noAdjustHandles="1" noChangeArrowheads="1" noChangeShapeType="1" noTextEdit="1"/>
+          </p:cNvSpPr>
+          <p:nvPr>
+            <p:extLst>
+              <p:ext uri="{386F3935-93C4-4BCD-93E2-E3B085C9AB24}">
+                <p16:designElem xmlns:p16="http://schemas.microsoft.com/office/powerpoint/2015/main" val="1"/>
+              </p:ext>
+            </p:extLst>
+          </p:nvPr>
+        </p:nvSpPr>
+        <p:spPr>
+          <a:xfrm>
+            <a:off x="0" y="0"/>
+            <a:ext cx="12192000" cy="6858000"/>
+          </a:xfrm>
+          <a:prstGeom prst="rect">
+            <a:avLst/>
+          </a:prstGeom>
+          <a:ln>
+            <a:noFill/>
+          </a:ln>
+        </p:spPr>
+        <p:style>
+          <a:lnRef idx="2">
+            <a:schemeClr val="accent1">
+              <a:shade val="50000"/>
+            </a:schemeClr>
+          </a:lnRef>
+          <a:fillRef idx="1">
+            <a:schemeClr val="accent1"/>
+          </a:fillRef>
+          <a:effectRef idx="0">
+            <a:schemeClr val="accent1"/>
+          </a:effectRef>
+          <a:fontRef idx="minor">
+            <a:schemeClr val="lt1"/>
+          </a:fontRef>
+        </p:style>
+        <p:txBody>
+          <a:bodyPr rtlCol="0" anchor="ctr"/>
+          <a:lstStyle/>
+          <a:p>
+            <a:pPr algn="ctr"/>
+            <a:endParaRPr lang="en-US"/>
+          </a:p>
+        </p:txBody>
+      </p:sp>
+      <p:sp useBgFill="1">
+        <p:nvSpPr>
+          <p:cNvPr id="20" name="Rectangle 19">
+            <a:extLst>
+              <a:ext uri="{FF2B5EF4-FFF2-40B4-BE49-F238E27FC236}">
+                <a16:creationId xmlns:a16="http://schemas.microsoft.com/office/drawing/2014/main" id="{B3420082-9415-44EC-802E-C77D71D59C57}"/>
+              </a:ext>
+              <a:ext uri="{C183D7F6-B498-43B3-948B-1728B52AA6E4}">
+                <adec:decorative xmlns:adec="http://schemas.microsoft.com/office/drawing/2017/decorative" val="1"/>
+              </a:ext>
+            </a:extLst>
+          </p:cNvPr>
+          <p:cNvSpPr>
+            <a:spLocks noGrp="1" noRot="1" noChangeAspect="1" noMove="1" noResize="1" noEditPoints="1" noAdjustHandles="1" noChangeArrowheads="1" noChangeShapeType="1" noTextEdit="1"/>
+          </p:cNvSpPr>
+          <p:nvPr>
+            <p:extLst>
+              <p:ext uri="{386F3935-93C4-4BCD-93E2-E3B085C9AB24}">
+                <p16:designElem xmlns:p16="http://schemas.microsoft.com/office/powerpoint/2015/main" val="1"/>
+              </p:ext>
+            </p:extLst>
+          </p:nvPr>
+        </p:nvSpPr>
+        <p:spPr>
+          <a:xfrm>
+            <a:off x="558209" y="0"/>
+            <a:ext cx="11167447" cy="2018806"/>
+          </a:xfrm>
+          <a:prstGeom prst="rect">
+            <a:avLst/>
+          </a:prstGeom>
+          <a:ln w="12700">
+            <a:solidFill>
+              <a:srgbClr val="E1E1E1"/>
+            </a:solidFill>
+          </a:ln>
+          <a:effectLst>
+            <a:outerShdw blurRad="50800" dist="38100" dir="2700000" algn="tl" rotWithShape="0">
+              <a:schemeClr val="bg1">
+                <a:lumMod val="85000"/>
+                <a:alpha val="50000"/>
+              </a:schemeClr>
+            </a:outerShdw>
+          </a:effectLst>
+        </p:spPr>
+        <p:style>
+          <a:lnRef idx="2">
+            <a:schemeClr val="accent1">
+              <a:shade val="50000"/>
+            </a:schemeClr>
+          </a:lnRef>
+          <a:fillRef idx="1">
+            <a:schemeClr val="accent1"/>
+          </a:fillRef>
+          <a:effectRef idx="0">
+            <a:schemeClr val="accent1"/>
+          </a:effectRef>
+          <a:fontRef idx="minor">
+            <a:schemeClr val="lt1"/>
+          </a:fontRef>
+        </p:style>
+        <p:txBody>
+          <a:bodyPr rtlCol="0" anchor="ctr"/>
+          <a:lstStyle/>
+          <a:p>
+            <a:pPr marL="0" marR="0" lvl="0" indent="0" algn="ctr" defTabSz="914400" rtl="0" eaLnBrk="1" fontAlgn="auto" latinLnBrk="0" hangingPunct="1">
+              <a:lnSpc>
+                <a:spcPct val="100000"/>
+              </a:lnSpc>
+              <a:spcBef>
+                <a:spcPts val="0"/>
+              </a:spcBef>
+              <a:spcAft>
+                <a:spcPts val="0"/>
+              </a:spcAft>
+              <a:buClrTx/>
+              <a:buSzTx/>
+              <a:buFontTx/>
+              <a:buNone/>
+              <a:tabLst/>
+              <a:defRPr/>
+            </a:pPr>
+            <a:endParaRPr kumimoji="0" lang="en-US" sz="1800" b="0" i="0" u="none" strike="noStrike" kern="1200" cap="none" spc="0" normalizeH="0" baseline="0" noProof="0">
+              <a:ln>
+                <a:noFill/>
+              </a:ln>
+              <a:solidFill>
+                <a:prstClr val="white"/>
+              </a:solidFill>
+              <a:effectLst/>
+              <a:uLnTx/>
+              <a:uFillTx/>
+              <a:latin typeface="Calibri" panose="020F0502020204030204"/>
+              <a:ea typeface="+mn-ea"/>
+              <a:cs typeface="+mn-cs"/>
+            </a:endParaRPr>
+          </a:p>
+        </p:txBody>
+      </p:sp>
+      <p:sp useBgFill="1">
+        <p:nvSpPr>
+          <p:cNvPr id="22" name="Rectangle 21">
+            <a:extLst>
+              <a:ext uri="{FF2B5EF4-FFF2-40B4-BE49-F238E27FC236}">
+                <a16:creationId xmlns:a16="http://schemas.microsoft.com/office/drawing/2014/main" id="{55A52C45-1FCB-4636-A80F-2849B8226C01}"/>
+              </a:ext>
+              <a:ext uri="{C183D7F6-B498-43B3-948B-1728B52AA6E4}">
+                <adec:decorative xmlns:adec="http://schemas.microsoft.com/office/drawing/2017/decorative" val="1"/>
+              </a:ext>
+            </a:extLst>
+          </p:cNvPr>
+          <p:cNvSpPr>
+            <a:spLocks noGrp="1" noRot="1" noChangeAspect="1" noMove="1" noResize="1" noEditPoints="1" noAdjustHandles="1" noChangeArrowheads="1" noChangeShapeType="1" noTextEdit="1"/>
+          </p:cNvSpPr>
+          <p:nvPr>
+            <p:extLst>
+              <p:ext uri="{386F3935-93C4-4BCD-93E2-E3B085C9AB24}">
+                <p16:designElem xmlns:p16="http://schemas.microsoft.com/office/powerpoint/2015/main" val="1"/>
+              </p:ext>
+            </p:extLst>
+          </p:nvPr>
+        </p:nvSpPr>
+        <p:spPr>
+          <a:xfrm>
+            <a:off x="566928" y="0"/>
+            <a:ext cx="11155680" cy="2011680"/>
+          </a:xfrm>
+          <a:prstGeom prst="rect">
+            <a:avLst/>
+          </a:prstGeom>
+          <a:ln w="12700">
+            <a:noFill/>
+          </a:ln>
+          <a:effectLst/>
+        </p:spPr>
+        <p:style>
+          <a:lnRef idx="2">
+            <a:schemeClr val="accent1">
+              <a:shade val="50000"/>
+            </a:schemeClr>
+          </a:lnRef>
+          <a:fillRef idx="1">
+            <a:schemeClr val="accent1"/>
+          </a:fillRef>
+          <a:effectRef idx="0">
+            <a:schemeClr val="accent1"/>
+          </a:effectRef>
+          <a:fontRef idx="minor">
+            <a:schemeClr val="lt1"/>
+          </a:fontRef>
+        </p:style>
+        <p:txBody>
+          <a:bodyPr rtlCol="0" anchor="ctr"/>
+          <a:lstStyle/>
+          <a:p>
+            <a:pPr marL="0" marR="0" lvl="0" indent="0" algn="ctr" defTabSz="914400" rtl="0" eaLnBrk="1" fontAlgn="auto" latinLnBrk="0" hangingPunct="1">
+              <a:lnSpc>
+                <a:spcPct val="100000"/>
+              </a:lnSpc>
+              <a:spcBef>
+                <a:spcPts val="0"/>
+              </a:spcBef>
+              <a:spcAft>
+                <a:spcPts val="0"/>
+              </a:spcAft>
+              <a:buClrTx/>
+              <a:buSzTx/>
+              <a:buFontTx/>
+              <a:buNone/>
+              <a:tabLst/>
+              <a:defRPr/>
+            </a:pPr>
+            <a:endParaRPr kumimoji="0" lang="en-US" sz="1800" b="0" i="0" u="none" strike="noStrike" kern="1200" cap="none" spc="0" normalizeH="0" baseline="0" noProof="0">
+              <a:ln>
+                <a:noFill/>
+              </a:ln>
+              <a:solidFill>
+                <a:prstClr val="white"/>
+              </a:solidFill>
+              <a:effectLst/>
+              <a:uLnTx/>
+              <a:uFillTx/>
+              <a:latin typeface="Calibri" panose="020F0502020204030204"/>
+              <a:ea typeface="+mn-ea"/>
+              <a:cs typeface="+mn-cs"/>
+            </a:endParaRPr>
+          </a:p>
+        </p:txBody>
+      </p:sp>
+      <p:sp>
+        <p:nvSpPr>
+          <p:cNvPr id="2" name="제목 1">
+            <a:extLst>
+              <a:ext uri="{FF2B5EF4-FFF2-40B4-BE49-F238E27FC236}">
+                <a16:creationId xmlns:a16="http://schemas.microsoft.com/office/drawing/2014/main" id="{76C5674D-9ED2-4242-8228-51181ADA0829}"/>
+              </a:ext>
+            </a:extLst>
+          </p:cNvPr>
+          <p:cNvSpPr>
+            <a:spLocks noGrp="1"/>
+          </p:cNvSpPr>
+          <p:nvPr>
+            <p:ph type="title"/>
+          </p:nvPr>
+        </p:nvSpPr>
+        <p:spPr>
+          <a:xfrm>
+            <a:off x="1115568" y="548640"/>
+            <a:ext cx="10168128" cy="1179576"/>
+          </a:xfrm>
+        </p:spPr>
+        <p:txBody>
+          <a:bodyPr>
+            <a:normAutofit/>
+          </a:bodyPr>
+          <a:lstStyle/>
+          <a:p>
+            <a:r>
+              <a:rPr lang="ko-KR" altLang="en-US" sz="4000"/>
+              <a:t>카메라 원근감 조정법</a:t>
+            </a:r>
+          </a:p>
+        </p:txBody>
+      </p:sp>
+      <p:sp>
+        <p:nvSpPr>
+          <p:cNvPr id="24" name="Rectangle 23">
+            <a:extLst>
+              <a:ext uri="{FF2B5EF4-FFF2-40B4-BE49-F238E27FC236}">
+                <a16:creationId xmlns:a16="http://schemas.microsoft.com/office/drawing/2014/main" id="{768EB4DD-3704-43AD-92B3-C4E0C6EA92CB}"/>
+              </a:ext>
+              <a:ext uri="{C183D7F6-B498-43B3-948B-1728B52AA6E4}">
+                <adec:decorative xmlns:adec="http://schemas.microsoft.com/office/drawing/2017/decorative" val="1"/>
+              </a:ext>
+            </a:extLst>
+          </p:cNvPr>
+          <p:cNvSpPr>
+            <a:spLocks noGrp="1" noRot="1" noChangeAspect="1" noMove="1" noResize="1" noEditPoints="1" noAdjustHandles="1" noChangeArrowheads="1" noChangeShapeType="1" noTextEdit="1"/>
+          </p:cNvSpPr>
+          <p:nvPr>
+            <p:extLst>
+              <p:ext uri="{386F3935-93C4-4BCD-93E2-E3B085C9AB24}">
+                <p16:designElem xmlns:p16="http://schemas.microsoft.com/office/powerpoint/2015/main" val="1"/>
+              </p:ext>
+            </p:extLst>
+          </p:nvPr>
+        </p:nvSpPr>
+        <p:spPr>
+          <a:xfrm>
+            <a:off x="498834" y="770799"/>
+            <a:ext cx="128016" cy="704088"/>
+          </a:xfrm>
+          <a:prstGeom prst="rect">
+            <a:avLst/>
+          </a:prstGeom>
+          <a:solidFill>
+            <a:schemeClr val="accent2"/>
+          </a:solidFill>
+          <a:ln>
+            <a:noFill/>
+          </a:ln>
+        </p:spPr>
+        <p:style>
+          <a:lnRef idx="2">
+            <a:schemeClr val="accent1">
+              <a:shade val="50000"/>
+            </a:schemeClr>
+          </a:lnRef>
+          <a:fillRef idx="1">
+            <a:schemeClr val="accent1"/>
+          </a:fillRef>
+          <a:effectRef idx="0">
+            <a:schemeClr val="accent1"/>
+          </a:effectRef>
+          <a:fontRef idx="minor">
+            <a:schemeClr val="lt1"/>
+          </a:fontRef>
+        </p:style>
+        <p:txBody>
+          <a:bodyPr rtlCol="0" anchor="ctr"/>
+          <a:lstStyle/>
+          <a:p>
+            <a:pPr marL="0" marR="0" lvl="0" indent="0" algn="ctr" defTabSz="914400" rtl="0" eaLnBrk="1" fontAlgn="auto" latinLnBrk="0" hangingPunct="1">
+              <a:lnSpc>
+                <a:spcPct val="100000"/>
+              </a:lnSpc>
+              <a:spcBef>
+                <a:spcPts val="0"/>
+              </a:spcBef>
+              <a:spcAft>
+                <a:spcPts val="0"/>
+              </a:spcAft>
+              <a:buClrTx/>
+              <a:buSzTx/>
+              <a:buFontTx/>
+              <a:buNone/>
+              <a:tabLst/>
+              <a:defRPr/>
+            </a:pPr>
+            <a:endParaRPr kumimoji="0" lang="en-US" sz="1800" b="0" i="0" u="none" strike="noStrike" kern="1200" cap="none" spc="0" normalizeH="0" baseline="0" noProof="0">
+              <a:ln>
+                <a:noFill/>
+              </a:ln>
+              <a:solidFill>
+                <a:prstClr val="white"/>
+              </a:solidFill>
+              <a:effectLst/>
+              <a:uLnTx/>
+              <a:uFillTx/>
+              <a:latin typeface="Calibri" panose="020F0502020204030204"/>
+              <a:ea typeface="+mn-ea"/>
+              <a:cs typeface="+mn-cs"/>
+            </a:endParaRPr>
+          </a:p>
+        </p:txBody>
+      </p:sp>
+      <p:pic>
+        <p:nvPicPr>
+          <p:cNvPr id="4" name="내용 개체 틀 3">
+            <a:extLst>
+              <a:ext uri="{FF2B5EF4-FFF2-40B4-BE49-F238E27FC236}">
+                <a16:creationId xmlns:a16="http://schemas.microsoft.com/office/drawing/2014/main" id="{2189CD2B-F56B-47C1-B65C-D298928CDBE5}"/>
+              </a:ext>
+            </a:extLst>
+          </p:cNvPr>
+          <p:cNvPicPr>
+            <a:picLocks noChangeAspect="1"/>
+          </p:cNvPicPr>
+          <p:nvPr/>
+        </p:nvPicPr>
+        <p:blipFill rotWithShape="1">
+          <a:blip r:embed="rId2"/>
+          <a:srcRect l="30309" r="5431" b="1"/>
+          <a:stretch/>
+        </p:blipFill>
+        <p:spPr>
+          <a:xfrm>
+            <a:off x="908304" y="2478024"/>
+            <a:ext cx="6009855" cy="3694176"/>
+          </a:xfrm>
+          <a:prstGeom prst="rect">
+            <a:avLst/>
+          </a:prstGeom>
+        </p:spPr>
+      </p:pic>
+      <p:sp>
+        <p:nvSpPr>
+          <p:cNvPr id="13" name="Content Placeholder 7">
+            <a:extLst>
+              <a:ext uri="{FF2B5EF4-FFF2-40B4-BE49-F238E27FC236}">
+                <a16:creationId xmlns:a16="http://schemas.microsoft.com/office/drawing/2014/main" id="{A5AD02AB-2228-4D39-A214-85AD0506280D}"/>
+              </a:ext>
+            </a:extLst>
+          </p:cNvPr>
+          <p:cNvSpPr>
+            <a:spLocks noGrp="1"/>
+          </p:cNvSpPr>
+          <p:nvPr>
+            <p:ph idx="1"/>
+          </p:nvPr>
+        </p:nvSpPr>
+        <p:spPr>
+          <a:xfrm>
+            <a:off x="7411453" y="2478024"/>
+            <a:ext cx="3872243" cy="3694176"/>
+          </a:xfrm>
+        </p:spPr>
+        <p:txBody>
+          <a:bodyPr anchor="ctr">
+            <a:normAutofit/>
+          </a:bodyPr>
+          <a:lstStyle/>
+          <a:p>
+            <a:r>
+              <a:rPr lang="en-US" sz="1800" dirty="0"/>
+              <a:t>Perspective</a:t>
+            </a:r>
+          </a:p>
+          <a:p>
+            <a:pPr marL="0" indent="0">
+              <a:buNone/>
+            </a:pPr>
+            <a:r>
+              <a:rPr lang="ko-KR" altLang="en-US" sz="1800" dirty="0"/>
+              <a:t>원근감과 공간감을 잘 표현한다</a:t>
+            </a:r>
+            <a:endParaRPr lang="en-US" altLang="ko-KR" sz="1800" dirty="0"/>
+          </a:p>
+          <a:p>
+            <a:pPr marL="0" indent="0">
+              <a:buNone/>
+            </a:pPr>
+            <a:endParaRPr lang="en-US" altLang="ko-KR" sz="1800" dirty="0"/>
+          </a:p>
+          <a:p>
+            <a:pPr marL="0" indent="0">
+              <a:buNone/>
+            </a:pPr>
+            <a:endParaRPr lang="en-US" altLang="ko-KR" sz="1800" dirty="0"/>
+          </a:p>
+          <a:p>
+            <a:r>
+              <a:rPr lang="en-US" sz="1800" dirty="0"/>
+              <a:t>Orthographic</a:t>
+            </a:r>
+          </a:p>
+          <a:p>
+            <a:pPr marL="0" indent="0">
+              <a:buNone/>
+            </a:pPr>
+            <a:r>
+              <a:rPr lang="ko-KR" altLang="en-US" sz="1800" dirty="0"/>
+              <a:t>원근감과 공간감을 없앤다</a:t>
+            </a:r>
+            <a:endParaRPr lang="en-US" altLang="ko-KR" sz="1800" dirty="0"/>
+          </a:p>
+          <a:p>
+            <a:pPr marL="0" indent="0">
+              <a:buNone/>
+            </a:pPr>
+            <a:r>
+              <a:rPr lang="ko-KR" altLang="en-US" sz="1800" dirty="0"/>
+              <a:t>보통 </a:t>
+            </a:r>
+            <a:r>
+              <a:rPr lang="en-US" altLang="ko-KR" sz="1800" dirty="0"/>
+              <a:t>2D</a:t>
+            </a:r>
+            <a:r>
+              <a:rPr lang="ko-KR" altLang="en-US" sz="1800" dirty="0"/>
+              <a:t>나 </a:t>
+            </a:r>
+            <a:r>
+              <a:rPr lang="en-US" altLang="ko-KR" sz="1800" dirty="0"/>
+              <a:t>2.5D</a:t>
+            </a:r>
+            <a:r>
+              <a:rPr lang="ko-KR" altLang="en-US" sz="1800" dirty="0"/>
+              <a:t>에 사용한다 </a:t>
+            </a:r>
+            <a:endParaRPr lang="en-US" altLang="ko-KR" sz="1800" dirty="0"/>
+          </a:p>
+        </p:txBody>
+      </p:sp>
+      <p:sp>
+        <p:nvSpPr>
+          <p:cNvPr id="5" name="화살표: 오른쪽 4">
+            <a:extLst>
+              <a:ext uri="{FF2B5EF4-FFF2-40B4-BE49-F238E27FC236}">
+                <a16:creationId xmlns:a16="http://schemas.microsoft.com/office/drawing/2014/main" id="{A1CD2E67-CBA2-464E-8DFC-251664734E7E}"/>
+              </a:ext>
+            </a:extLst>
+          </p:cNvPr>
+          <p:cNvSpPr/>
+          <p:nvPr/>
+        </p:nvSpPr>
+        <p:spPr>
+          <a:xfrm>
+            <a:off x="4857750" y="3895725"/>
+            <a:ext cx="581025" cy="209550"/>
+          </a:xfrm>
+          <a:prstGeom prst="rightArrow">
+            <a:avLst/>
+          </a:prstGeom>
+          <a:solidFill>
+            <a:srgbClr val="FF0000"/>
+          </a:solidFill>
+        </p:spPr>
+        <p:style>
+          <a:lnRef idx="2">
+            <a:schemeClr val="accent1">
+              <a:shade val="50000"/>
+            </a:schemeClr>
+          </a:lnRef>
+          <a:fillRef idx="1">
+            <a:schemeClr val="accent1"/>
+          </a:fillRef>
+          <a:effectRef idx="0">
+            <a:schemeClr val="accent1"/>
+          </a:effectRef>
+          <a:fontRef idx="minor">
+            <a:schemeClr val="lt1"/>
+          </a:fontRef>
+        </p:style>
+        <p:txBody>
+          <a:bodyPr rtlCol="0" anchor="ctr"/>
+          <a:lstStyle/>
+          <a:p>
+            <a:pPr algn="ctr"/>
+            <a:endParaRPr lang="ko-KR" altLang="en-US"/>
+          </a:p>
+        </p:txBody>
+      </p:sp>
+    </p:spTree>
+    <p:extLst>
+      <p:ext uri="{BB962C8B-B14F-4D97-AF65-F5344CB8AC3E}">
+        <p14:creationId xmlns:p14="http://schemas.microsoft.com/office/powerpoint/2010/main" val="822686306"/>
+      </p:ext>
+    </p:extLst>
+  </p:cSld>
+  <p:clrMapOvr>
+    <a:masterClrMapping/>
+  </p:clrMapOvr>
+</p:sld>
+</file>
+
+<file path=ppt/slides/slide24.xml><?xml version="1.0" encoding="utf-8"?>
+<p:sld xmlns:a="http://schemas.openxmlformats.org/drawingml/2006/main" xmlns:r="http://schemas.openxmlformats.org/officeDocument/2006/relationships" xmlns:p="http://schemas.openxmlformats.org/presentationml/2006/main">
+  <p:cSld>
+    <p:bg>
+      <p:bgPr>
+        <a:solidFill>
+          <a:schemeClr val="bg1"/>
+        </a:solidFill>
+        <a:effectLst/>
+      </p:bgPr>
+    </p:bg>
+    <p:spTree>
+      <p:nvGrpSpPr>
+        <p:cNvPr id="1" name=""/>
+        <p:cNvGrpSpPr/>
+        <p:nvPr/>
+      </p:nvGrpSpPr>
+      <p:grpSpPr>
+        <a:xfrm>
+          <a:off x="0" y="0"/>
+          <a:ext cx="0" cy="0"/>
+          <a:chOff x="0" y="0"/>
+          <a:chExt cx="0" cy="0"/>
+        </a:xfrm>
+      </p:grpSpPr>
+      <p:sp useBgFill="1">
+        <p:nvSpPr>
+          <p:cNvPr id="8" name="Rectangle 7">
+            <a:extLst>
+              <a:ext uri="{FF2B5EF4-FFF2-40B4-BE49-F238E27FC236}">
+                <a16:creationId xmlns:a16="http://schemas.microsoft.com/office/drawing/2014/main" id="{DAF1966E-FD40-4A4A-B61B-C4DF7FA05F06}"/>
+              </a:ext>
+              <a:ext uri="{C183D7F6-B498-43B3-948B-1728B52AA6E4}">
+                <adec:decorative xmlns:adec="http://schemas.microsoft.com/office/drawing/2017/decorative" val="1"/>
+              </a:ext>
+            </a:extLst>
+          </p:cNvPr>
+          <p:cNvSpPr>
+            <a:spLocks noGrp="1" noRot="1" noChangeAspect="1" noMove="1" noResize="1" noEditPoints="1" noAdjustHandles="1" noChangeArrowheads="1" noChangeShapeType="1" noTextEdit="1"/>
+          </p:cNvSpPr>
+          <p:nvPr>
+            <p:extLst>
+              <p:ext uri="{386F3935-93C4-4BCD-93E2-E3B085C9AB24}">
+                <p16:designElem xmlns:p16="http://schemas.microsoft.com/office/powerpoint/2015/main" val="1"/>
+              </p:ext>
+            </p:extLst>
+          </p:nvPr>
+        </p:nvSpPr>
+        <p:spPr>
+          <a:xfrm>
+            <a:off x="0" y="0"/>
+            <a:ext cx="12192000" cy="6858000"/>
+          </a:xfrm>
+          <a:prstGeom prst="rect">
+            <a:avLst/>
+          </a:prstGeom>
+          <a:ln>
+            <a:noFill/>
+          </a:ln>
+        </p:spPr>
+        <p:style>
+          <a:lnRef idx="2">
+            <a:schemeClr val="accent1">
+              <a:shade val="50000"/>
+            </a:schemeClr>
+          </a:lnRef>
+          <a:fillRef idx="1">
+            <a:schemeClr val="accent1"/>
+          </a:fillRef>
+          <a:effectRef idx="0">
+            <a:schemeClr val="accent1"/>
+          </a:effectRef>
+          <a:fontRef idx="minor">
+            <a:schemeClr val="lt1"/>
+          </a:fontRef>
+        </p:style>
+        <p:txBody>
+          <a:bodyPr rtlCol="0" anchor="ctr"/>
+          <a:lstStyle/>
+          <a:p>
+            <a:pPr algn="ctr"/>
+            <a:endParaRPr lang="en-US"/>
+          </a:p>
+        </p:txBody>
+      </p:sp>
+      <p:sp useBgFill="1">
+        <p:nvSpPr>
+          <p:cNvPr id="10" name="Rectangle 9">
+            <a:extLst>
+              <a:ext uri="{FF2B5EF4-FFF2-40B4-BE49-F238E27FC236}">
+                <a16:creationId xmlns:a16="http://schemas.microsoft.com/office/drawing/2014/main" id="{047BFA19-D45E-416B-A404-7AF2F3F27017}"/>
+              </a:ext>
+              <a:ext uri="{C183D7F6-B498-43B3-948B-1728B52AA6E4}">
+                <adec:decorative xmlns:adec="http://schemas.microsoft.com/office/drawing/2017/decorative" val="1"/>
+              </a:ext>
+            </a:extLst>
+          </p:cNvPr>
+          <p:cNvSpPr>
+            <a:spLocks noGrp="1" noRot="1" noChangeAspect="1" noMove="1" noResize="1" noEditPoints="1" noAdjustHandles="1" noChangeArrowheads="1" noChangeShapeType="1" noTextEdit="1"/>
+          </p:cNvSpPr>
+          <p:nvPr>
+            <p:extLst>
+              <p:ext uri="{386F3935-93C4-4BCD-93E2-E3B085C9AB24}">
+                <p16:designElem xmlns:p16="http://schemas.microsoft.com/office/powerpoint/2015/main" val="1"/>
+              </p:ext>
+            </p:extLst>
+          </p:nvPr>
+        </p:nvSpPr>
+        <p:spPr>
+          <a:xfrm>
+            <a:off x="558209" y="0"/>
+            <a:ext cx="11167447" cy="2018806"/>
+          </a:xfrm>
+          <a:prstGeom prst="rect">
+            <a:avLst/>
+          </a:prstGeom>
+          <a:ln w="9525">
+            <a:solidFill>
+              <a:srgbClr val="E1E1E1"/>
+            </a:solidFill>
+          </a:ln>
+          <a:effectLst>
+            <a:outerShdw blurRad="50800" dist="38100" dir="2700000" algn="tl" rotWithShape="0">
+              <a:schemeClr val="bg1">
+                <a:lumMod val="85000"/>
+                <a:alpha val="50000"/>
+              </a:schemeClr>
+            </a:outerShdw>
+          </a:effectLst>
+        </p:spPr>
+        <p:style>
+          <a:lnRef idx="2">
+            <a:schemeClr val="accent1">
+              <a:shade val="50000"/>
+            </a:schemeClr>
+          </a:lnRef>
+          <a:fillRef idx="1">
+            <a:schemeClr val="accent1"/>
+          </a:fillRef>
+          <a:effectRef idx="0">
+            <a:schemeClr val="accent1"/>
+          </a:effectRef>
+          <a:fontRef idx="minor">
+            <a:schemeClr val="lt1"/>
+          </a:fontRef>
+        </p:style>
+        <p:txBody>
+          <a:bodyPr rtlCol="0" anchor="ctr"/>
+          <a:lstStyle/>
+          <a:p>
+            <a:pPr marL="0" marR="0" lvl="0" indent="0" algn="ctr" defTabSz="914400" rtl="0" eaLnBrk="1" fontAlgn="auto" latinLnBrk="0" hangingPunct="1">
+              <a:lnSpc>
+                <a:spcPct val="100000"/>
+              </a:lnSpc>
+              <a:spcBef>
+                <a:spcPts val="0"/>
+              </a:spcBef>
+              <a:spcAft>
+                <a:spcPts val="0"/>
+              </a:spcAft>
+              <a:buClrTx/>
+              <a:buSzTx/>
+              <a:buFontTx/>
+              <a:buNone/>
+              <a:tabLst/>
+              <a:defRPr/>
+            </a:pPr>
+            <a:endParaRPr kumimoji="0" lang="en-US" sz="1800" b="0" i="0" u="none" strike="noStrike" kern="1200" cap="none" spc="0" normalizeH="0" baseline="0" noProof="0">
+              <a:ln>
+                <a:noFill/>
+              </a:ln>
+              <a:solidFill>
+                <a:prstClr val="white"/>
+              </a:solidFill>
+              <a:effectLst/>
+              <a:uLnTx/>
+              <a:uFillTx/>
+              <a:latin typeface="Calibri" panose="020F0502020204030204"/>
+              <a:ea typeface="+mn-ea"/>
+              <a:cs typeface="+mn-cs"/>
+            </a:endParaRPr>
+          </a:p>
+        </p:txBody>
+      </p:sp>
+      <p:sp useBgFill="1">
+        <p:nvSpPr>
+          <p:cNvPr id="12" name="Rectangle 11">
+            <a:extLst>
+              <a:ext uri="{FF2B5EF4-FFF2-40B4-BE49-F238E27FC236}">
+                <a16:creationId xmlns:a16="http://schemas.microsoft.com/office/drawing/2014/main" id="{8E0105E7-23DB-4CF2-8258-FF47C7620F6E}"/>
+              </a:ext>
+              <a:ext uri="{C183D7F6-B498-43B3-948B-1728B52AA6E4}">
+                <adec:decorative xmlns:adec="http://schemas.microsoft.com/office/drawing/2017/decorative" val="1"/>
+              </a:ext>
+            </a:extLst>
+          </p:cNvPr>
+          <p:cNvSpPr>
+            <a:spLocks noGrp="1" noRot="1" noChangeAspect="1" noMove="1" noResize="1" noEditPoints="1" noAdjustHandles="1" noChangeArrowheads="1" noChangeShapeType="1" noTextEdit="1"/>
+          </p:cNvSpPr>
+          <p:nvPr>
+            <p:extLst>
+              <p:ext uri="{386F3935-93C4-4BCD-93E2-E3B085C9AB24}">
+                <p16:designElem xmlns:p16="http://schemas.microsoft.com/office/powerpoint/2015/main" val="1"/>
+              </p:ext>
+            </p:extLst>
+          </p:nvPr>
+        </p:nvSpPr>
+        <p:spPr>
+          <a:xfrm>
+            <a:off x="566928" y="0"/>
+            <a:ext cx="11155680" cy="2011680"/>
+          </a:xfrm>
+          <a:prstGeom prst="rect">
+            <a:avLst/>
+          </a:prstGeom>
+          <a:ln w="9525">
+            <a:noFill/>
+          </a:ln>
+          <a:effectLst/>
+        </p:spPr>
+        <p:style>
+          <a:lnRef idx="2">
+            <a:schemeClr val="accent1">
+              <a:shade val="50000"/>
+            </a:schemeClr>
+          </a:lnRef>
+          <a:fillRef idx="1">
+            <a:schemeClr val="accent1"/>
+          </a:fillRef>
+          <a:effectRef idx="0">
+            <a:schemeClr val="accent1"/>
+          </a:effectRef>
+          <a:fontRef idx="minor">
+            <a:schemeClr val="lt1"/>
+          </a:fontRef>
+        </p:style>
+        <p:txBody>
+          <a:bodyPr rtlCol="0" anchor="ctr"/>
+          <a:lstStyle/>
+          <a:p>
+            <a:pPr marL="0" marR="0" lvl="0" indent="0" algn="ctr" defTabSz="914400" rtl="0" eaLnBrk="1" fontAlgn="auto" latinLnBrk="0" hangingPunct="1">
+              <a:lnSpc>
+                <a:spcPct val="100000"/>
+              </a:lnSpc>
+              <a:spcBef>
+                <a:spcPts val="0"/>
+              </a:spcBef>
+              <a:spcAft>
+                <a:spcPts val="0"/>
+              </a:spcAft>
+              <a:buClrTx/>
+              <a:buSzTx/>
+              <a:buFontTx/>
+              <a:buNone/>
+              <a:tabLst/>
+              <a:defRPr/>
+            </a:pPr>
+            <a:endParaRPr kumimoji="0" lang="en-US" sz="1800" b="0" i="0" u="none" strike="noStrike" kern="1200" cap="none" spc="0" normalizeH="0" baseline="0" noProof="0">
+              <a:ln>
+                <a:noFill/>
+              </a:ln>
+              <a:solidFill>
+                <a:prstClr val="white"/>
+              </a:solidFill>
+              <a:effectLst/>
+              <a:uLnTx/>
+              <a:uFillTx/>
+              <a:latin typeface="Calibri" panose="020F0502020204030204"/>
+              <a:ea typeface="+mn-ea"/>
+              <a:cs typeface="+mn-cs"/>
+            </a:endParaRPr>
+          </a:p>
+        </p:txBody>
+      </p:sp>
+      <p:sp>
+        <p:nvSpPr>
+          <p:cNvPr id="2" name="제목 1">
+            <a:extLst>
+              <a:ext uri="{FF2B5EF4-FFF2-40B4-BE49-F238E27FC236}">
+                <a16:creationId xmlns:a16="http://schemas.microsoft.com/office/drawing/2014/main" id="{1FAD2B39-1F69-4194-834D-2EDAFE21A753}"/>
+              </a:ext>
+            </a:extLst>
+          </p:cNvPr>
+          <p:cNvSpPr>
+            <a:spLocks noGrp="1"/>
+          </p:cNvSpPr>
+          <p:nvPr>
+            <p:ph type="title"/>
+          </p:nvPr>
+        </p:nvSpPr>
+        <p:spPr>
+          <a:xfrm>
+            <a:off x="1115568" y="548640"/>
+            <a:ext cx="10168128" cy="1179576"/>
+          </a:xfrm>
+        </p:spPr>
+        <p:txBody>
+          <a:bodyPr>
+            <a:normAutofit/>
+          </a:bodyPr>
+          <a:lstStyle/>
+          <a:p>
+            <a:r>
+              <a:rPr lang="ko-KR" altLang="en-US" sz="4000"/>
+              <a:t>카메라 이동 시키기 단축키</a:t>
+            </a:r>
+          </a:p>
+        </p:txBody>
+      </p:sp>
+      <p:sp>
+        <p:nvSpPr>
+          <p:cNvPr id="14" name="Rectangle 13">
+            <a:extLst>
+              <a:ext uri="{FF2B5EF4-FFF2-40B4-BE49-F238E27FC236}">
+                <a16:creationId xmlns:a16="http://schemas.microsoft.com/office/drawing/2014/main" id="{074B4F7D-14B2-478B-8BF5-01E4E0C5D263}"/>
+              </a:ext>
+              <a:ext uri="{C183D7F6-B498-43B3-948B-1728B52AA6E4}">
+                <adec:decorative xmlns:adec="http://schemas.microsoft.com/office/drawing/2017/decorative" val="1"/>
+              </a:ext>
+            </a:extLst>
+          </p:cNvPr>
+          <p:cNvSpPr>
+            <a:spLocks noGrp="1" noRot="1" noChangeAspect="1" noMove="1" noResize="1" noEditPoints="1" noAdjustHandles="1" noChangeArrowheads="1" noChangeShapeType="1" noTextEdit="1"/>
+          </p:cNvSpPr>
+          <p:nvPr>
+            <p:extLst>
+              <p:ext uri="{386F3935-93C4-4BCD-93E2-E3B085C9AB24}">
+                <p16:designElem xmlns:p16="http://schemas.microsoft.com/office/powerpoint/2015/main" val="1"/>
+              </p:ext>
+            </p:extLst>
+          </p:nvPr>
+        </p:nvSpPr>
+        <p:spPr>
+          <a:xfrm>
+            <a:off x="498834" y="758952"/>
+            <a:ext cx="128016" cy="704088"/>
+          </a:xfrm>
+          <a:prstGeom prst="rect">
+            <a:avLst/>
+          </a:prstGeom>
+          <a:solidFill>
+            <a:schemeClr val="accent2"/>
+          </a:solidFill>
+          <a:ln>
+            <a:noFill/>
+          </a:ln>
+        </p:spPr>
+        <p:style>
+          <a:lnRef idx="2">
+            <a:schemeClr val="accent1">
+              <a:shade val="50000"/>
+            </a:schemeClr>
+          </a:lnRef>
+          <a:fillRef idx="1">
+            <a:schemeClr val="accent1"/>
+          </a:fillRef>
+          <a:effectRef idx="0">
+            <a:schemeClr val="accent1"/>
+          </a:effectRef>
+          <a:fontRef idx="minor">
+            <a:schemeClr val="lt1"/>
+          </a:fontRef>
+        </p:style>
+        <p:txBody>
+          <a:bodyPr rtlCol="0" anchor="ctr"/>
+          <a:lstStyle/>
+          <a:p>
+            <a:pPr algn="ctr"/>
+            <a:endParaRPr lang="en-US">
+              <a:solidFill>
+                <a:prstClr val="white"/>
+              </a:solidFill>
+              <a:latin typeface="Calibri" panose="020F0502020204030204"/>
+            </a:endParaRPr>
+          </a:p>
+        </p:txBody>
+      </p:sp>
+      <p:sp>
+        <p:nvSpPr>
+          <p:cNvPr id="3" name="내용 개체 틀 2">
+            <a:extLst>
+              <a:ext uri="{FF2B5EF4-FFF2-40B4-BE49-F238E27FC236}">
+                <a16:creationId xmlns:a16="http://schemas.microsoft.com/office/drawing/2014/main" id="{1738C82B-A841-4ED3-A810-DA7453112BF9}"/>
+              </a:ext>
+            </a:extLst>
+          </p:cNvPr>
+          <p:cNvSpPr>
+            <a:spLocks noGrp="1"/>
+          </p:cNvSpPr>
+          <p:nvPr>
+            <p:ph idx="1"/>
+          </p:nvPr>
+        </p:nvSpPr>
+        <p:spPr>
+          <a:xfrm>
+            <a:off x="1115568" y="2481943"/>
+            <a:ext cx="10168128" cy="3695020"/>
+          </a:xfrm>
+        </p:spPr>
+        <p:txBody>
+          <a:bodyPr>
+            <a:normAutofit/>
+          </a:bodyPr>
+          <a:lstStyle/>
+          <a:p>
+            <a:r>
+              <a:rPr lang="en-US" altLang="ko-KR" sz="2200" dirty="0"/>
+              <a:t>Ctrl + Shift + F</a:t>
+            </a:r>
+          </a:p>
+          <a:p>
+            <a:pPr marL="0" indent="0">
+              <a:buNone/>
+            </a:pPr>
+            <a:r>
+              <a:rPr lang="ko-KR" altLang="en-US" sz="2200" dirty="0"/>
+              <a:t>카메라</a:t>
+            </a:r>
+            <a:r>
+              <a:rPr lang="en-US" altLang="ko-KR" sz="2200" dirty="0"/>
+              <a:t>: </a:t>
+            </a:r>
+            <a:r>
+              <a:rPr lang="ko-KR" altLang="en-US" sz="2200" dirty="0"/>
+              <a:t>현재 내가 보고있는 화면을 카메라로 찍는다</a:t>
+            </a:r>
+            <a:endParaRPr lang="en-US" altLang="ko-KR" sz="2200" dirty="0"/>
+          </a:p>
+          <a:p>
+            <a:pPr marL="0" indent="0">
+              <a:buNone/>
+            </a:pPr>
+            <a:r>
+              <a:rPr lang="ko-KR" altLang="en-US" sz="2200" dirty="0"/>
+              <a:t>다른 오브젝트</a:t>
+            </a:r>
+            <a:r>
+              <a:rPr lang="en-US" altLang="ko-KR" sz="2200" dirty="0"/>
+              <a:t>: </a:t>
+            </a:r>
+            <a:r>
+              <a:rPr lang="ko-KR" altLang="en-US" sz="2200" dirty="0"/>
+              <a:t>카메라가 보고있는 위치로 이동 및 회전</a:t>
+            </a:r>
+            <a:endParaRPr lang="en-US" altLang="ko-KR" sz="2200" dirty="0"/>
+          </a:p>
+          <a:p>
+            <a:pPr marL="0" indent="0">
+              <a:buNone/>
+            </a:pPr>
+            <a:endParaRPr lang="en-US" altLang="ko-KR" sz="2200" dirty="0"/>
+          </a:p>
+          <a:p>
+            <a:pPr marL="0" indent="0">
+              <a:buNone/>
+            </a:pPr>
+            <a:r>
+              <a:rPr lang="ko-KR" altLang="en-US" sz="2200" dirty="0"/>
+              <a:t>참고</a:t>
+            </a:r>
+            <a:r>
+              <a:rPr lang="en-US" altLang="ko-KR" sz="2200" dirty="0"/>
+              <a:t>+</a:t>
+            </a:r>
+          </a:p>
+          <a:p>
+            <a:pPr marL="0" indent="0">
+              <a:buNone/>
+            </a:pPr>
+            <a:r>
+              <a:rPr lang="en-US" altLang="ko-KR" sz="2200" dirty="0">
+                <a:hlinkClick r:id="rId2"/>
+              </a:rPr>
+              <a:t>http://blog.naver.com/PostView.nhn?blogId=lyw94k&amp;logNo=221093395793&amp;categoryNo=0&amp;parentCategoryNo=0&amp;viewDate=&amp;currentPage=1&amp;postListTopCurrentPage=1&amp;from=postView</a:t>
+            </a:r>
+            <a:endParaRPr lang="ko-KR" altLang="en-US" sz="2200" dirty="0"/>
+          </a:p>
+        </p:txBody>
+      </p:sp>
+    </p:spTree>
+    <p:extLst>
+      <p:ext uri="{BB962C8B-B14F-4D97-AF65-F5344CB8AC3E}">
+        <p14:creationId xmlns:p14="http://schemas.microsoft.com/office/powerpoint/2010/main" val="2202340441"/>
+      </p:ext>
+    </p:extLst>
+  </p:cSld>
+  <p:clrMapOvr>
+    <a:masterClrMapping/>
+  </p:clrMapOvr>
+</p:sld>
+</file>
+
+<file path=ppt/slides/slide25.xml><?xml version="1.0" encoding="utf-8"?>
+<p:sld xmlns:a="http://schemas.openxmlformats.org/drawingml/2006/main" xmlns:r="http://schemas.openxmlformats.org/officeDocument/2006/relationships" xmlns:p="http://schemas.openxmlformats.org/presentationml/2006/main">
+  <p:cSld>
+    <p:bg>
+      <p:bgPr>
+        <a:solidFill>
+          <a:schemeClr val="bg1"/>
+        </a:solidFill>
+        <a:effectLst/>
+      </p:bgPr>
+    </p:bg>
+    <p:spTree>
+      <p:nvGrpSpPr>
+        <p:cNvPr id="1" name=""/>
+        <p:cNvGrpSpPr/>
+        <p:nvPr/>
+      </p:nvGrpSpPr>
+      <p:grpSpPr>
+        <a:xfrm>
+          <a:off x="0" y="0"/>
+          <a:ext cx="0" cy="0"/>
+          <a:chOff x="0" y="0"/>
+          <a:chExt cx="0" cy="0"/>
+        </a:xfrm>
+      </p:grpSpPr>
+      <p:sp useBgFill="1">
+        <p:nvSpPr>
+          <p:cNvPr id="18" name="Rectangle 17">
+            <a:extLst>
+              <a:ext uri="{FF2B5EF4-FFF2-40B4-BE49-F238E27FC236}">
+                <a16:creationId xmlns:a16="http://schemas.microsoft.com/office/drawing/2014/main" id="{B35D3C1D-A6AE-4FCA-BB76-A4748CE5DE55}"/>
+              </a:ext>
+              <a:ext uri="{C183D7F6-B498-43B3-948B-1728B52AA6E4}">
+                <adec:decorative xmlns:adec="http://schemas.microsoft.com/office/drawing/2017/decorative" val="1"/>
+              </a:ext>
+            </a:extLst>
+          </p:cNvPr>
+          <p:cNvSpPr>
+            <a:spLocks noGrp="1" noRot="1" noChangeAspect="1" noMove="1" noResize="1" noEditPoints="1" noAdjustHandles="1" noChangeArrowheads="1" noChangeShapeType="1" noTextEdit="1"/>
+          </p:cNvSpPr>
+          <p:nvPr>
+            <p:extLst>
+              <p:ext uri="{386F3935-93C4-4BCD-93E2-E3B085C9AB24}">
+                <p16:designElem xmlns:p16="http://schemas.microsoft.com/office/powerpoint/2015/main" val="1"/>
+              </p:ext>
+            </p:extLst>
+          </p:nvPr>
+        </p:nvSpPr>
+        <p:spPr>
+          <a:xfrm>
+            <a:off x="0" y="0"/>
+            <a:ext cx="12192000" cy="6858000"/>
+          </a:xfrm>
+          <a:prstGeom prst="rect">
+            <a:avLst/>
+          </a:prstGeom>
+          <a:ln>
+            <a:noFill/>
+          </a:ln>
+        </p:spPr>
+        <p:style>
+          <a:lnRef idx="2">
+            <a:schemeClr val="accent1">
+              <a:shade val="50000"/>
+            </a:schemeClr>
+          </a:lnRef>
+          <a:fillRef idx="1">
+            <a:schemeClr val="accent1"/>
+          </a:fillRef>
+          <a:effectRef idx="0">
+            <a:schemeClr val="accent1"/>
+          </a:effectRef>
+          <a:fontRef idx="minor">
+            <a:schemeClr val="lt1"/>
+          </a:fontRef>
+        </p:style>
+        <p:txBody>
+          <a:bodyPr rtlCol="0" anchor="ctr"/>
+          <a:lstStyle/>
+          <a:p>
+            <a:pPr algn="ctr"/>
+            <a:endParaRPr lang="en-US"/>
+          </a:p>
+        </p:txBody>
+      </p:sp>
+      <p:sp>
+        <p:nvSpPr>
+          <p:cNvPr id="2" name="제목 1">
+            <a:extLst>
+              <a:ext uri="{FF2B5EF4-FFF2-40B4-BE49-F238E27FC236}">
+                <a16:creationId xmlns:a16="http://schemas.microsoft.com/office/drawing/2014/main" id="{782A8853-3059-400B-AC51-F6651D055611}"/>
+              </a:ext>
+            </a:extLst>
+          </p:cNvPr>
+          <p:cNvSpPr>
+            <a:spLocks noGrp="1"/>
+          </p:cNvSpPr>
+          <p:nvPr>
+            <p:ph type="title"/>
+          </p:nvPr>
+        </p:nvSpPr>
+        <p:spPr>
+          <a:xfrm>
+            <a:off x="558210" y="1365472"/>
+            <a:ext cx="10978470" cy="3564636"/>
+          </a:xfrm>
+        </p:spPr>
+        <p:txBody>
+          <a:bodyPr vert="horz" lIns="91440" tIns="45720" rIns="91440" bIns="45720" rtlCol="0" anchor="ctr">
+            <a:normAutofit/>
+          </a:bodyPr>
+          <a:lstStyle/>
+          <a:p>
+            <a:pPr latinLnBrk="0"/>
+            <a:r>
+              <a:rPr lang="ko-KR" altLang="en-US" sz="8800" kern="1200">
+                <a:solidFill>
+                  <a:schemeClr val="tx1"/>
+                </a:solidFill>
+                <a:latin typeface="+mj-lt"/>
+                <a:ea typeface="+mj-ea"/>
+                <a:cs typeface="+mj-cs"/>
+              </a:rPr>
+              <a:t>게임오브젝트</a:t>
+            </a:r>
+            <a:endParaRPr lang="en-US" altLang="ko-KR" sz="8800" kern="1200">
+              <a:solidFill>
+                <a:schemeClr val="tx1"/>
+              </a:solidFill>
+              <a:latin typeface="+mj-lt"/>
+              <a:ea typeface="+mj-ea"/>
+              <a:cs typeface="+mj-cs"/>
+            </a:endParaRPr>
+          </a:p>
+        </p:txBody>
+      </p:sp>
+      <p:sp>
+        <p:nvSpPr>
+          <p:cNvPr id="20" name="Rectangle 19">
+            <a:extLst>
+              <a:ext uri="{FF2B5EF4-FFF2-40B4-BE49-F238E27FC236}">
+                <a16:creationId xmlns:a16="http://schemas.microsoft.com/office/drawing/2014/main" id="{6D5BF818-2283-4CC9-A120-9225CEDFA6D2}"/>
+              </a:ext>
+              <a:ext uri="{C183D7F6-B498-43B3-948B-1728B52AA6E4}">
+                <adec:decorative xmlns:adec="http://schemas.microsoft.com/office/drawing/2017/decorative" val="1"/>
+              </a:ext>
+            </a:extLst>
+          </p:cNvPr>
+          <p:cNvSpPr>
+            <a:spLocks noGrp="1" noRot="1" noChangeAspect="1" noMove="1" noResize="1" noEditPoints="1" noAdjustHandles="1" noChangeArrowheads="1" noChangeShapeType="1" noTextEdit="1"/>
+          </p:cNvSpPr>
+          <p:nvPr>
+            <p:extLst>
+              <p:ext uri="{386F3935-93C4-4BCD-93E2-E3B085C9AB24}">
+                <p16:designElem xmlns:p16="http://schemas.microsoft.com/office/powerpoint/2015/main" val="1"/>
+              </p:ext>
+            </p:extLst>
+          </p:nvPr>
+        </p:nvSpPr>
+        <p:spPr>
+          <a:xfrm>
+            <a:off x="0" y="1913350"/>
+            <a:ext cx="128016" cy="2468880"/>
+          </a:xfrm>
+          <a:prstGeom prst="rect">
+            <a:avLst/>
+          </a:prstGeom>
+          <a:solidFill>
+            <a:schemeClr val="accent2"/>
+          </a:solidFill>
+          <a:ln>
+            <a:noFill/>
+          </a:ln>
+        </p:spPr>
+        <p:style>
+          <a:lnRef idx="2">
+            <a:schemeClr val="accent1">
+              <a:shade val="50000"/>
+            </a:schemeClr>
+          </a:lnRef>
+          <a:fillRef idx="1">
+            <a:schemeClr val="accent1"/>
+          </a:fillRef>
+          <a:effectRef idx="0">
+            <a:schemeClr val="accent1"/>
+          </a:effectRef>
+          <a:fontRef idx="minor">
+            <a:schemeClr val="lt1"/>
+          </a:fontRef>
+        </p:style>
+        <p:txBody>
+          <a:bodyPr rtlCol="0" anchor="ctr"/>
+          <a:lstStyle/>
+          <a:p>
+            <a:pPr marL="0" marR="0" lvl="0" indent="0" algn="ctr" defTabSz="914400" rtl="0" eaLnBrk="1" fontAlgn="auto" latinLnBrk="0" hangingPunct="1">
+              <a:lnSpc>
+                <a:spcPct val="100000"/>
+              </a:lnSpc>
+              <a:spcBef>
+                <a:spcPts val="0"/>
+              </a:spcBef>
+              <a:spcAft>
+                <a:spcPts val="0"/>
+              </a:spcAft>
+              <a:buClrTx/>
+              <a:buSzTx/>
+              <a:buFontTx/>
+              <a:buNone/>
+              <a:tabLst/>
+              <a:defRPr/>
+            </a:pPr>
+            <a:endParaRPr kumimoji="0" lang="en-US" sz="1800" b="0" i="0" u="none" strike="noStrike" kern="1200" cap="none" spc="0" normalizeH="0" baseline="0" noProof="0" dirty="0">
+              <a:ln>
+                <a:noFill/>
+              </a:ln>
+              <a:solidFill>
+                <a:prstClr val="white"/>
+              </a:solidFill>
+              <a:effectLst/>
+              <a:uLnTx/>
+              <a:uFillTx/>
+              <a:latin typeface="Calibri" panose="020F0502020204030204"/>
+              <a:ea typeface="+mn-ea"/>
+              <a:cs typeface="+mn-cs"/>
+            </a:endParaRPr>
+          </a:p>
+        </p:txBody>
+      </p:sp>
+      <p:sp>
+        <p:nvSpPr>
+          <p:cNvPr id="22" name="Rectangle 21">
+            <a:extLst>
+              <a:ext uri="{FF2B5EF4-FFF2-40B4-BE49-F238E27FC236}">
+                <a16:creationId xmlns:a16="http://schemas.microsoft.com/office/drawing/2014/main" id="{063A42EF-20CC-4BCC-9D0B-222CF3AAE8C9}"/>
+              </a:ext>
+              <a:ext uri="{C183D7F6-B498-43B3-948B-1728B52AA6E4}">
+                <adec:decorative xmlns:adec="http://schemas.microsoft.com/office/drawing/2017/decorative" val="1"/>
+              </a:ext>
+            </a:extLst>
+          </p:cNvPr>
+          <p:cNvSpPr>
+            <a:spLocks noGrp="1" noRot="1" noChangeAspect="1" noMove="1" noResize="1" noEditPoints="1" noAdjustHandles="1" noChangeArrowheads="1" noChangeShapeType="1" noTextEdit="1"/>
+          </p:cNvSpPr>
+          <p:nvPr>
+            <p:extLst>
+              <p:ext uri="{386F3935-93C4-4BCD-93E2-E3B085C9AB24}">
+                <p16:designElem xmlns:p16="http://schemas.microsoft.com/office/powerpoint/2015/main" val="1"/>
+              </p:ext>
+            </p:extLst>
+          </p:nvPr>
+        </p:nvSpPr>
+        <p:spPr>
+          <a:xfrm>
+            <a:off x="650945" y="5831269"/>
+            <a:ext cx="10927080" cy="18288"/>
+          </a:xfrm>
+          <a:prstGeom prst="rect">
+            <a:avLst/>
+          </a:prstGeom>
+          <a:solidFill>
+            <a:srgbClr val="D5D5D5"/>
+          </a:solidFill>
+          <a:ln w="3175">
+            <a:noFill/>
+          </a:ln>
+          <a:effectLst/>
+        </p:spPr>
+        <p:style>
+          <a:lnRef idx="2">
+            <a:schemeClr val="accent1">
+              <a:shade val="50000"/>
+            </a:schemeClr>
+          </a:lnRef>
+          <a:fillRef idx="1">
+            <a:schemeClr val="accent1"/>
+          </a:fillRef>
+          <a:effectRef idx="0">
+            <a:schemeClr val="accent1"/>
+          </a:effectRef>
+          <a:fontRef idx="minor">
+            <a:schemeClr val="lt1"/>
+          </a:fontRef>
+        </p:style>
+        <p:txBody>
+          <a:bodyPr rtlCol="0" anchor="ctr"/>
+          <a:lstStyle/>
+          <a:p>
+            <a:pPr algn="ctr"/>
+            <a:endParaRPr lang="en-US">
+              <a:solidFill>
+                <a:prstClr val="white"/>
+              </a:solidFill>
+              <a:latin typeface="Calibri" panose="020F0502020204030204"/>
+            </a:endParaRPr>
+          </a:p>
+        </p:txBody>
+      </p:sp>
+    </p:spTree>
+    <p:extLst>
+      <p:ext uri="{BB962C8B-B14F-4D97-AF65-F5344CB8AC3E}">
+        <p14:creationId xmlns:p14="http://schemas.microsoft.com/office/powerpoint/2010/main" val="418585046"/>
+      </p:ext>
+    </p:extLst>
+  </p:cSld>
+  <p:clrMapOvr>
+    <a:masterClrMapping/>
+  </p:clrMapOvr>
+</p:sld>
+</file>
+
+<file path=ppt/slides/slide26.xml><?xml version="1.0" encoding="utf-8"?>
+<p:sld xmlns:a="http://schemas.openxmlformats.org/drawingml/2006/main" xmlns:r="http://schemas.openxmlformats.org/officeDocument/2006/relationships" xmlns:p="http://schemas.openxmlformats.org/presentationml/2006/main">
+  <p:cSld>
+    <p:bg>
+      <p:bgPr>
+        <a:solidFill>
+          <a:schemeClr val="bg1"/>
+        </a:solidFill>
+        <a:effectLst/>
+      </p:bgPr>
+    </p:bg>
+    <p:spTree>
+      <p:nvGrpSpPr>
+        <p:cNvPr id="1" name=""/>
+        <p:cNvGrpSpPr/>
+        <p:nvPr/>
+      </p:nvGrpSpPr>
+      <p:grpSpPr>
+        <a:xfrm>
+          <a:off x="0" y="0"/>
+          <a:ext cx="0" cy="0"/>
+          <a:chOff x="0" y="0"/>
+          <a:chExt cx="0" cy="0"/>
+        </a:xfrm>
+      </p:grpSpPr>
+      <p:sp useBgFill="1">
+        <p:nvSpPr>
+          <p:cNvPr id="9" name="Rectangle 8">
+            <a:extLst>
+              <a:ext uri="{FF2B5EF4-FFF2-40B4-BE49-F238E27FC236}">
+                <a16:creationId xmlns:a16="http://schemas.microsoft.com/office/drawing/2014/main" id="{84ECDE7A-6944-466D-8FFE-149A29BA6BAE}"/>
+              </a:ext>
+              <a:ext uri="{C183D7F6-B498-43B3-948B-1728B52AA6E4}">
+                <adec:decorative xmlns:adec="http://schemas.microsoft.com/office/drawing/2017/decorative" val="1"/>
+              </a:ext>
+            </a:extLst>
+          </p:cNvPr>
+          <p:cNvSpPr>
+            <a:spLocks noGrp="1" noRot="1" noChangeAspect="1" noMove="1" noResize="1" noEditPoints="1" noAdjustHandles="1" noChangeArrowheads="1" noChangeShapeType="1" noTextEdit="1"/>
+          </p:cNvSpPr>
+          <p:nvPr>
+            <p:extLst>
+              <p:ext uri="{386F3935-93C4-4BCD-93E2-E3B085C9AB24}">
+                <p16:designElem xmlns:p16="http://schemas.microsoft.com/office/powerpoint/2015/main" val="1"/>
+              </p:ext>
+            </p:extLst>
+          </p:nvPr>
+        </p:nvSpPr>
+        <p:spPr>
+          <a:xfrm>
+            <a:off x="0" y="0"/>
+            <a:ext cx="12192000" cy="6858000"/>
+          </a:xfrm>
+          <a:prstGeom prst="rect">
+            <a:avLst/>
+          </a:prstGeom>
+          <a:ln>
+            <a:noFill/>
+          </a:ln>
+        </p:spPr>
+        <p:style>
+          <a:lnRef idx="2">
+            <a:schemeClr val="accent1">
+              <a:shade val="50000"/>
+            </a:schemeClr>
+          </a:lnRef>
+          <a:fillRef idx="1">
+            <a:schemeClr val="accent1"/>
+          </a:fillRef>
+          <a:effectRef idx="0">
+            <a:schemeClr val="accent1"/>
+          </a:effectRef>
+          <a:fontRef idx="minor">
+            <a:schemeClr val="lt1"/>
+          </a:fontRef>
+        </p:style>
+        <p:txBody>
+          <a:bodyPr rtlCol="0" anchor="ctr"/>
+          <a:lstStyle/>
+          <a:p>
+            <a:pPr algn="ctr"/>
+            <a:endParaRPr lang="en-US"/>
+          </a:p>
+        </p:txBody>
+      </p:sp>
+      <p:sp useBgFill="1">
+        <p:nvSpPr>
+          <p:cNvPr id="11" name="Rectangle 10">
+            <a:extLst>
+              <a:ext uri="{FF2B5EF4-FFF2-40B4-BE49-F238E27FC236}">
+                <a16:creationId xmlns:a16="http://schemas.microsoft.com/office/drawing/2014/main" id="{B3420082-9415-44EC-802E-C77D71D59C57}"/>
+              </a:ext>
+              <a:ext uri="{C183D7F6-B498-43B3-948B-1728B52AA6E4}">
+                <adec:decorative xmlns:adec="http://schemas.microsoft.com/office/drawing/2017/decorative" val="1"/>
+              </a:ext>
+            </a:extLst>
+          </p:cNvPr>
+          <p:cNvSpPr>
+            <a:spLocks noGrp="1" noRot="1" noChangeAspect="1" noMove="1" noResize="1" noEditPoints="1" noAdjustHandles="1" noChangeArrowheads="1" noChangeShapeType="1" noTextEdit="1"/>
+          </p:cNvSpPr>
+          <p:nvPr>
+            <p:extLst>
+              <p:ext uri="{386F3935-93C4-4BCD-93E2-E3B085C9AB24}">
+                <p16:designElem xmlns:p16="http://schemas.microsoft.com/office/powerpoint/2015/main" val="1"/>
+              </p:ext>
+            </p:extLst>
+          </p:nvPr>
+        </p:nvSpPr>
+        <p:spPr>
+          <a:xfrm>
+            <a:off x="558209" y="0"/>
+            <a:ext cx="11167447" cy="2018806"/>
+          </a:xfrm>
+          <a:prstGeom prst="rect">
+            <a:avLst/>
+          </a:prstGeom>
+          <a:ln w="12700">
+            <a:solidFill>
+              <a:srgbClr val="E1E1E1"/>
+            </a:solidFill>
+          </a:ln>
+          <a:effectLst>
+            <a:outerShdw blurRad="50800" dist="38100" dir="2700000" algn="tl" rotWithShape="0">
+              <a:schemeClr val="bg1">
+                <a:lumMod val="85000"/>
+                <a:alpha val="50000"/>
+              </a:schemeClr>
+            </a:outerShdw>
+          </a:effectLst>
+        </p:spPr>
+        <p:style>
+          <a:lnRef idx="2">
+            <a:schemeClr val="accent1">
+              <a:shade val="50000"/>
+            </a:schemeClr>
+          </a:lnRef>
+          <a:fillRef idx="1">
+            <a:schemeClr val="accent1"/>
+          </a:fillRef>
+          <a:effectRef idx="0">
+            <a:schemeClr val="accent1"/>
+          </a:effectRef>
+          <a:fontRef idx="minor">
+            <a:schemeClr val="lt1"/>
+          </a:fontRef>
+        </p:style>
+        <p:txBody>
+          <a:bodyPr rtlCol="0" anchor="ctr"/>
+          <a:lstStyle/>
+          <a:p>
+            <a:pPr marL="0" marR="0" lvl="0" indent="0" algn="ctr" defTabSz="914400" rtl="0" eaLnBrk="1" fontAlgn="auto" latinLnBrk="0" hangingPunct="1">
+              <a:lnSpc>
+                <a:spcPct val="100000"/>
+              </a:lnSpc>
+              <a:spcBef>
+                <a:spcPts val="0"/>
+              </a:spcBef>
+              <a:spcAft>
+                <a:spcPts val="0"/>
+              </a:spcAft>
+              <a:buClrTx/>
+              <a:buSzTx/>
+              <a:buFontTx/>
+              <a:buNone/>
+              <a:tabLst/>
+              <a:defRPr/>
+            </a:pPr>
+            <a:endParaRPr kumimoji="0" lang="en-US" sz="1800" b="0" i="0" u="none" strike="noStrike" kern="1200" cap="none" spc="0" normalizeH="0" baseline="0" noProof="0">
+              <a:ln>
+                <a:noFill/>
+              </a:ln>
+              <a:solidFill>
+                <a:prstClr val="white"/>
+              </a:solidFill>
+              <a:effectLst/>
+              <a:uLnTx/>
+              <a:uFillTx/>
+              <a:latin typeface="Calibri" panose="020F0502020204030204"/>
+              <a:ea typeface="+mn-ea"/>
+              <a:cs typeface="+mn-cs"/>
+            </a:endParaRPr>
+          </a:p>
+        </p:txBody>
+      </p:sp>
+      <p:sp useBgFill="1">
+        <p:nvSpPr>
+          <p:cNvPr id="13" name="Rectangle 12">
+            <a:extLst>
+              <a:ext uri="{FF2B5EF4-FFF2-40B4-BE49-F238E27FC236}">
+                <a16:creationId xmlns:a16="http://schemas.microsoft.com/office/drawing/2014/main" id="{55A52C45-1FCB-4636-A80F-2849B8226C01}"/>
+              </a:ext>
+              <a:ext uri="{C183D7F6-B498-43B3-948B-1728B52AA6E4}">
+                <adec:decorative xmlns:adec="http://schemas.microsoft.com/office/drawing/2017/decorative" val="1"/>
+              </a:ext>
+            </a:extLst>
+          </p:cNvPr>
+          <p:cNvSpPr>
+            <a:spLocks noGrp="1" noRot="1" noChangeAspect="1" noMove="1" noResize="1" noEditPoints="1" noAdjustHandles="1" noChangeArrowheads="1" noChangeShapeType="1" noTextEdit="1"/>
+          </p:cNvSpPr>
+          <p:nvPr>
+            <p:extLst>
+              <p:ext uri="{386F3935-93C4-4BCD-93E2-E3B085C9AB24}">
+                <p16:designElem xmlns:p16="http://schemas.microsoft.com/office/powerpoint/2015/main" val="1"/>
+              </p:ext>
+            </p:extLst>
+          </p:nvPr>
+        </p:nvSpPr>
+        <p:spPr>
+          <a:xfrm>
+            <a:off x="566928" y="0"/>
+            <a:ext cx="11155680" cy="2011680"/>
+          </a:xfrm>
+          <a:prstGeom prst="rect">
+            <a:avLst/>
+          </a:prstGeom>
+          <a:ln w="12700">
+            <a:noFill/>
+          </a:ln>
+          <a:effectLst/>
+        </p:spPr>
+        <p:style>
+          <a:lnRef idx="2">
+            <a:schemeClr val="accent1">
+              <a:shade val="50000"/>
+            </a:schemeClr>
+          </a:lnRef>
+          <a:fillRef idx="1">
+            <a:schemeClr val="accent1"/>
+          </a:fillRef>
+          <a:effectRef idx="0">
+            <a:schemeClr val="accent1"/>
+          </a:effectRef>
+          <a:fontRef idx="minor">
+            <a:schemeClr val="lt1"/>
+          </a:fontRef>
+        </p:style>
+        <p:txBody>
+          <a:bodyPr rtlCol="0" anchor="ctr"/>
+          <a:lstStyle/>
+          <a:p>
+            <a:pPr marL="0" marR="0" lvl="0" indent="0" algn="ctr" defTabSz="914400" rtl="0" eaLnBrk="1" fontAlgn="auto" latinLnBrk="0" hangingPunct="1">
+              <a:lnSpc>
+                <a:spcPct val="100000"/>
+              </a:lnSpc>
+              <a:spcBef>
+                <a:spcPts val="0"/>
+              </a:spcBef>
+              <a:spcAft>
+                <a:spcPts val="0"/>
+              </a:spcAft>
+              <a:buClrTx/>
+              <a:buSzTx/>
+              <a:buFontTx/>
+              <a:buNone/>
+              <a:tabLst/>
+              <a:defRPr/>
+            </a:pPr>
+            <a:endParaRPr kumimoji="0" lang="en-US" sz="1800" b="0" i="0" u="none" strike="noStrike" kern="1200" cap="none" spc="0" normalizeH="0" baseline="0" noProof="0">
+              <a:ln>
+                <a:noFill/>
+              </a:ln>
+              <a:solidFill>
+                <a:prstClr val="white"/>
+              </a:solidFill>
+              <a:effectLst/>
+              <a:uLnTx/>
+              <a:uFillTx/>
+              <a:latin typeface="Calibri" panose="020F0502020204030204"/>
+              <a:ea typeface="+mn-ea"/>
+              <a:cs typeface="+mn-cs"/>
+            </a:endParaRPr>
+          </a:p>
+        </p:txBody>
+      </p:sp>
+      <p:sp>
+        <p:nvSpPr>
+          <p:cNvPr id="2" name="제목 1">
+            <a:extLst>
+              <a:ext uri="{FF2B5EF4-FFF2-40B4-BE49-F238E27FC236}">
+                <a16:creationId xmlns:a16="http://schemas.microsoft.com/office/drawing/2014/main" id="{4F09DA40-5BC8-4646-92C4-C3C82D906813}"/>
+              </a:ext>
+            </a:extLst>
+          </p:cNvPr>
+          <p:cNvSpPr>
+            <a:spLocks noGrp="1"/>
+          </p:cNvSpPr>
+          <p:nvPr>
+            <p:ph type="title"/>
+          </p:nvPr>
+        </p:nvSpPr>
+        <p:spPr>
+          <a:xfrm>
+            <a:off x="1115568" y="548640"/>
+            <a:ext cx="10168128" cy="1179576"/>
+          </a:xfrm>
+        </p:spPr>
+        <p:txBody>
+          <a:bodyPr>
+            <a:normAutofit/>
+          </a:bodyPr>
+          <a:lstStyle/>
+          <a:p>
+            <a:r>
+              <a:rPr lang="ko-KR" altLang="en-US" sz="4000"/>
+              <a:t>빈 오브젝트</a:t>
+            </a:r>
+          </a:p>
+        </p:txBody>
+      </p:sp>
+      <p:sp>
+        <p:nvSpPr>
+          <p:cNvPr id="15" name="Rectangle 14">
+            <a:extLst>
+              <a:ext uri="{FF2B5EF4-FFF2-40B4-BE49-F238E27FC236}">
+                <a16:creationId xmlns:a16="http://schemas.microsoft.com/office/drawing/2014/main" id="{768EB4DD-3704-43AD-92B3-C4E0C6EA92CB}"/>
+              </a:ext>
+              <a:ext uri="{C183D7F6-B498-43B3-948B-1728B52AA6E4}">
+                <adec:decorative xmlns:adec="http://schemas.microsoft.com/office/drawing/2017/decorative" val="1"/>
+              </a:ext>
+            </a:extLst>
+          </p:cNvPr>
+          <p:cNvSpPr>
+            <a:spLocks noGrp="1" noRot="1" noChangeAspect="1" noMove="1" noResize="1" noEditPoints="1" noAdjustHandles="1" noChangeArrowheads="1" noChangeShapeType="1" noTextEdit="1"/>
+          </p:cNvSpPr>
+          <p:nvPr>
+            <p:extLst>
+              <p:ext uri="{386F3935-93C4-4BCD-93E2-E3B085C9AB24}">
+                <p16:designElem xmlns:p16="http://schemas.microsoft.com/office/powerpoint/2015/main" val="1"/>
+              </p:ext>
+            </p:extLst>
+          </p:nvPr>
+        </p:nvSpPr>
+        <p:spPr>
+          <a:xfrm>
+            <a:off x="498834" y="770799"/>
+            <a:ext cx="128016" cy="704088"/>
+          </a:xfrm>
+          <a:prstGeom prst="rect">
+            <a:avLst/>
+          </a:prstGeom>
+          <a:solidFill>
+            <a:schemeClr val="accent2"/>
+          </a:solidFill>
+          <a:ln>
+            <a:noFill/>
+          </a:ln>
+        </p:spPr>
+        <p:style>
+          <a:lnRef idx="2">
+            <a:schemeClr val="accent1">
+              <a:shade val="50000"/>
+            </a:schemeClr>
+          </a:lnRef>
+          <a:fillRef idx="1">
+            <a:schemeClr val="accent1"/>
+          </a:fillRef>
+          <a:effectRef idx="0">
+            <a:schemeClr val="accent1"/>
+          </a:effectRef>
+          <a:fontRef idx="minor">
+            <a:schemeClr val="lt1"/>
+          </a:fontRef>
+        </p:style>
+        <p:txBody>
+          <a:bodyPr rtlCol="0" anchor="ctr"/>
+          <a:lstStyle/>
+          <a:p>
+            <a:pPr marL="0" marR="0" lvl="0" indent="0" algn="ctr" defTabSz="914400" rtl="0" eaLnBrk="1" fontAlgn="auto" latinLnBrk="0" hangingPunct="1">
+              <a:lnSpc>
+                <a:spcPct val="100000"/>
+              </a:lnSpc>
+              <a:spcBef>
+                <a:spcPts val="0"/>
+              </a:spcBef>
+              <a:spcAft>
+                <a:spcPts val="0"/>
+              </a:spcAft>
+              <a:buClrTx/>
+              <a:buSzTx/>
+              <a:buFontTx/>
+              <a:buNone/>
+              <a:tabLst/>
+              <a:defRPr/>
+            </a:pPr>
+            <a:endParaRPr kumimoji="0" lang="en-US" sz="1800" b="0" i="0" u="none" strike="noStrike" kern="1200" cap="none" spc="0" normalizeH="0" baseline="0" noProof="0">
+              <a:ln>
+                <a:noFill/>
+              </a:ln>
+              <a:solidFill>
+                <a:prstClr val="white"/>
+              </a:solidFill>
+              <a:effectLst/>
+              <a:uLnTx/>
+              <a:uFillTx/>
+              <a:latin typeface="Calibri" panose="020F0502020204030204"/>
+              <a:ea typeface="+mn-ea"/>
+              <a:cs typeface="+mn-cs"/>
+            </a:endParaRPr>
+          </a:p>
+        </p:txBody>
+      </p:sp>
+      <p:pic>
+        <p:nvPicPr>
+          <p:cNvPr id="4" name="그림 3">
+            <a:extLst>
+              <a:ext uri="{FF2B5EF4-FFF2-40B4-BE49-F238E27FC236}">
+                <a16:creationId xmlns:a16="http://schemas.microsoft.com/office/drawing/2014/main" id="{CE0E2F32-2FC3-41F0-AA30-5FD2C1544D40}"/>
+              </a:ext>
+            </a:extLst>
+          </p:cNvPr>
+          <p:cNvPicPr>
+            <a:picLocks noChangeAspect="1"/>
+          </p:cNvPicPr>
+          <p:nvPr/>
+        </p:nvPicPr>
+        <p:blipFill rotWithShape="1">
+          <a:blip r:embed="rId2"/>
+          <a:srcRect t="15796" r="2" b="2"/>
+          <a:stretch/>
+        </p:blipFill>
+        <p:spPr>
+          <a:xfrm>
+            <a:off x="908304" y="2478024"/>
+            <a:ext cx="6009855" cy="3694176"/>
+          </a:xfrm>
+          <a:prstGeom prst="rect">
+            <a:avLst/>
+          </a:prstGeom>
+        </p:spPr>
+      </p:pic>
+      <p:sp>
+        <p:nvSpPr>
+          <p:cNvPr id="3" name="내용 개체 틀 2">
+            <a:extLst>
+              <a:ext uri="{FF2B5EF4-FFF2-40B4-BE49-F238E27FC236}">
+                <a16:creationId xmlns:a16="http://schemas.microsoft.com/office/drawing/2014/main" id="{74220874-741A-4B1D-95F5-1118DDCF5327}"/>
+              </a:ext>
+            </a:extLst>
+          </p:cNvPr>
+          <p:cNvSpPr>
+            <a:spLocks noGrp="1"/>
+          </p:cNvSpPr>
+          <p:nvPr>
+            <p:ph idx="1"/>
+          </p:nvPr>
+        </p:nvSpPr>
+        <p:spPr>
+          <a:xfrm>
+            <a:off x="7411453" y="2478024"/>
+            <a:ext cx="3872243" cy="3694176"/>
+          </a:xfrm>
+        </p:spPr>
+        <p:txBody>
+          <a:bodyPr anchor="ctr">
+            <a:normAutofit/>
+          </a:bodyPr>
+          <a:lstStyle/>
+          <a:p>
+            <a:r>
+              <a:rPr lang="en-US" altLang="ko-KR" sz="1800" dirty="0"/>
+              <a:t>Create Empty</a:t>
+            </a:r>
+            <a:r>
+              <a:rPr lang="ko-KR" altLang="en-US" sz="1800" dirty="0"/>
+              <a:t>로 빈 오브젝트 생성 가능</a:t>
+            </a:r>
+            <a:endParaRPr lang="en-US" altLang="ko-KR" sz="1800" dirty="0"/>
+          </a:p>
+          <a:p>
+            <a:pPr marL="0" indent="0">
+              <a:buNone/>
+            </a:pPr>
+            <a:r>
+              <a:rPr lang="en-US" altLang="ko-KR" sz="1800" dirty="0"/>
+              <a:t>Ctrl + Shift + N</a:t>
+            </a:r>
+          </a:p>
+          <a:p>
+            <a:pPr marL="0" indent="0">
+              <a:buNone/>
+            </a:pPr>
+            <a:r>
+              <a:rPr lang="ko-KR" altLang="en-US" sz="1800" dirty="0" err="1"/>
+              <a:t>비어있지만</a:t>
+            </a:r>
+            <a:r>
+              <a:rPr lang="ko-KR" altLang="en-US" sz="1800" dirty="0"/>
+              <a:t> </a:t>
+            </a:r>
+            <a:r>
+              <a:rPr lang="en-US" altLang="ko-KR" sz="1800" dirty="0"/>
+              <a:t>Transform</a:t>
+            </a:r>
+            <a:r>
+              <a:rPr lang="ko-KR" altLang="en-US" sz="1800" dirty="0"/>
+              <a:t>은 존재한다</a:t>
+            </a:r>
+            <a:r>
+              <a:rPr lang="en-US" altLang="ko-KR" sz="1800" dirty="0"/>
+              <a:t>?</a:t>
+            </a:r>
+          </a:p>
+        </p:txBody>
+      </p:sp>
+    </p:spTree>
+    <p:extLst>
+      <p:ext uri="{BB962C8B-B14F-4D97-AF65-F5344CB8AC3E}">
+        <p14:creationId xmlns:p14="http://schemas.microsoft.com/office/powerpoint/2010/main" val="33307558"/>
+      </p:ext>
+    </p:extLst>
+  </p:cSld>
+  <p:clrMapOvr>
+    <a:masterClrMapping/>
+  </p:clrMapOvr>
+</p:sld>
+</file>
+
+<file path=ppt/slides/slide27.xml><?xml version="1.0" encoding="utf-8"?>
+<p:sld xmlns:a="http://schemas.openxmlformats.org/drawingml/2006/main" xmlns:r="http://schemas.openxmlformats.org/officeDocument/2006/relationships" xmlns:p="http://schemas.openxmlformats.org/presentationml/2006/main">
+  <p:cSld>
+    <p:bg>
+      <p:bgPr>
+        <a:solidFill>
+          <a:schemeClr val="bg1"/>
+        </a:solidFill>
+        <a:effectLst/>
+      </p:bgPr>
+    </p:bg>
+    <p:spTree>
+      <p:nvGrpSpPr>
+        <p:cNvPr id="1" name=""/>
+        <p:cNvGrpSpPr/>
+        <p:nvPr/>
+      </p:nvGrpSpPr>
+      <p:grpSpPr>
+        <a:xfrm>
+          <a:off x="0" y="0"/>
+          <a:ext cx="0" cy="0"/>
+          <a:chOff x="0" y="0"/>
+          <a:chExt cx="0" cy="0"/>
+        </a:xfrm>
+      </p:grpSpPr>
+      <p:sp useBgFill="1">
+        <p:nvSpPr>
+          <p:cNvPr id="8" name="Rectangle 7">
+            <a:extLst>
+              <a:ext uri="{FF2B5EF4-FFF2-40B4-BE49-F238E27FC236}">
+                <a16:creationId xmlns:a16="http://schemas.microsoft.com/office/drawing/2014/main" id="{DAF1966E-FD40-4A4A-B61B-C4DF7FA05F06}"/>
+              </a:ext>
+              <a:ext uri="{C183D7F6-B498-43B3-948B-1728B52AA6E4}">
+                <adec:decorative xmlns:adec="http://schemas.microsoft.com/office/drawing/2017/decorative" val="1"/>
+              </a:ext>
+            </a:extLst>
+          </p:cNvPr>
+          <p:cNvSpPr>
+            <a:spLocks noGrp="1" noRot="1" noChangeAspect="1" noMove="1" noResize="1" noEditPoints="1" noAdjustHandles="1" noChangeArrowheads="1" noChangeShapeType="1" noTextEdit="1"/>
+          </p:cNvSpPr>
+          <p:nvPr>
+            <p:extLst>
+              <p:ext uri="{386F3935-93C4-4BCD-93E2-E3B085C9AB24}">
+                <p16:designElem xmlns:p16="http://schemas.microsoft.com/office/powerpoint/2015/main" val="1"/>
+              </p:ext>
+            </p:extLst>
+          </p:nvPr>
+        </p:nvSpPr>
+        <p:spPr>
+          <a:xfrm>
+            <a:off x="0" y="0"/>
+            <a:ext cx="12192000" cy="6858000"/>
+          </a:xfrm>
+          <a:prstGeom prst="rect">
+            <a:avLst/>
+          </a:prstGeom>
+          <a:ln>
+            <a:noFill/>
+          </a:ln>
+        </p:spPr>
+        <p:style>
+          <a:lnRef idx="2">
+            <a:schemeClr val="accent1">
+              <a:shade val="50000"/>
+            </a:schemeClr>
+          </a:lnRef>
+          <a:fillRef idx="1">
+            <a:schemeClr val="accent1"/>
+          </a:fillRef>
+          <a:effectRef idx="0">
+            <a:schemeClr val="accent1"/>
+          </a:effectRef>
+          <a:fontRef idx="minor">
+            <a:schemeClr val="lt1"/>
+          </a:fontRef>
+        </p:style>
+        <p:txBody>
+          <a:bodyPr rtlCol="0" anchor="ctr"/>
+          <a:lstStyle/>
+          <a:p>
+            <a:pPr algn="ctr"/>
+            <a:endParaRPr lang="en-US"/>
+          </a:p>
+        </p:txBody>
+      </p:sp>
+      <p:sp useBgFill="1">
+        <p:nvSpPr>
+          <p:cNvPr id="10" name="Rectangle 9">
+            <a:extLst>
+              <a:ext uri="{FF2B5EF4-FFF2-40B4-BE49-F238E27FC236}">
+                <a16:creationId xmlns:a16="http://schemas.microsoft.com/office/drawing/2014/main" id="{047BFA19-D45E-416B-A404-7AF2F3F27017}"/>
+              </a:ext>
+              <a:ext uri="{C183D7F6-B498-43B3-948B-1728B52AA6E4}">
+                <adec:decorative xmlns:adec="http://schemas.microsoft.com/office/drawing/2017/decorative" val="1"/>
+              </a:ext>
+            </a:extLst>
+          </p:cNvPr>
+          <p:cNvSpPr>
+            <a:spLocks noGrp="1" noRot="1" noChangeAspect="1" noMove="1" noResize="1" noEditPoints="1" noAdjustHandles="1" noChangeArrowheads="1" noChangeShapeType="1" noTextEdit="1"/>
+          </p:cNvSpPr>
+          <p:nvPr>
+            <p:extLst>
+              <p:ext uri="{386F3935-93C4-4BCD-93E2-E3B085C9AB24}">
+                <p16:designElem xmlns:p16="http://schemas.microsoft.com/office/powerpoint/2015/main" val="1"/>
+              </p:ext>
+            </p:extLst>
+          </p:nvPr>
+        </p:nvSpPr>
+        <p:spPr>
+          <a:xfrm>
+            <a:off x="558209" y="0"/>
+            <a:ext cx="11167447" cy="2018806"/>
+          </a:xfrm>
+          <a:prstGeom prst="rect">
+            <a:avLst/>
+          </a:prstGeom>
+          <a:ln w="9525">
+            <a:solidFill>
+              <a:srgbClr val="E1E1E1"/>
+            </a:solidFill>
+          </a:ln>
+          <a:effectLst>
+            <a:outerShdw blurRad="50800" dist="38100" dir="2700000" algn="tl" rotWithShape="0">
+              <a:schemeClr val="bg1">
+                <a:lumMod val="85000"/>
+                <a:alpha val="50000"/>
+              </a:schemeClr>
+            </a:outerShdw>
+          </a:effectLst>
+        </p:spPr>
+        <p:style>
+          <a:lnRef idx="2">
+            <a:schemeClr val="accent1">
+              <a:shade val="50000"/>
+            </a:schemeClr>
+          </a:lnRef>
+          <a:fillRef idx="1">
+            <a:schemeClr val="accent1"/>
+          </a:fillRef>
+          <a:effectRef idx="0">
+            <a:schemeClr val="accent1"/>
+          </a:effectRef>
+          <a:fontRef idx="minor">
+            <a:schemeClr val="lt1"/>
+          </a:fontRef>
+        </p:style>
+        <p:txBody>
+          <a:bodyPr rtlCol="0" anchor="ctr"/>
+          <a:lstStyle/>
+          <a:p>
+            <a:pPr marL="0" marR="0" lvl="0" indent="0" algn="ctr" defTabSz="914400" rtl="0" eaLnBrk="1" fontAlgn="auto" latinLnBrk="0" hangingPunct="1">
+              <a:lnSpc>
+                <a:spcPct val="100000"/>
+              </a:lnSpc>
+              <a:spcBef>
+                <a:spcPts val="0"/>
+              </a:spcBef>
+              <a:spcAft>
+                <a:spcPts val="0"/>
+              </a:spcAft>
+              <a:buClrTx/>
+              <a:buSzTx/>
+              <a:buFontTx/>
+              <a:buNone/>
+              <a:tabLst/>
+              <a:defRPr/>
+            </a:pPr>
+            <a:endParaRPr kumimoji="0" lang="en-US" sz="1800" b="0" i="0" u="none" strike="noStrike" kern="1200" cap="none" spc="0" normalizeH="0" baseline="0" noProof="0">
+              <a:ln>
+                <a:noFill/>
+              </a:ln>
+              <a:solidFill>
+                <a:prstClr val="white"/>
+              </a:solidFill>
+              <a:effectLst/>
+              <a:uLnTx/>
+              <a:uFillTx/>
+              <a:latin typeface="Calibri" panose="020F0502020204030204"/>
+              <a:ea typeface="+mn-ea"/>
+              <a:cs typeface="+mn-cs"/>
+            </a:endParaRPr>
+          </a:p>
+        </p:txBody>
+      </p:sp>
+      <p:sp useBgFill="1">
+        <p:nvSpPr>
+          <p:cNvPr id="12" name="Rectangle 11">
+            <a:extLst>
+              <a:ext uri="{FF2B5EF4-FFF2-40B4-BE49-F238E27FC236}">
+                <a16:creationId xmlns:a16="http://schemas.microsoft.com/office/drawing/2014/main" id="{8E0105E7-23DB-4CF2-8258-FF47C7620F6E}"/>
+              </a:ext>
+              <a:ext uri="{C183D7F6-B498-43B3-948B-1728B52AA6E4}">
+                <adec:decorative xmlns:adec="http://schemas.microsoft.com/office/drawing/2017/decorative" val="1"/>
+              </a:ext>
+            </a:extLst>
+          </p:cNvPr>
+          <p:cNvSpPr>
+            <a:spLocks noGrp="1" noRot="1" noChangeAspect="1" noMove="1" noResize="1" noEditPoints="1" noAdjustHandles="1" noChangeArrowheads="1" noChangeShapeType="1" noTextEdit="1"/>
+          </p:cNvSpPr>
+          <p:nvPr>
+            <p:extLst>
+              <p:ext uri="{386F3935-93C4-4BCD-93E2-E3B085C9AB24}">
+                <p16:designElem xmlns:p16="http://schemas.microsoft.com/office/powerpoint/2015/main" val="1"/>
+              </p:ext>
+            </p:extLst>
+          </p:nvPr>
+        </p:nvSpPr>
+        <p:spPr>
+          <a:xfrm>
+            <a:off x="566928" y="0"/>
+            <a:ext cx="11155680" cy="2011680"/>
+          </a:xfrm>
+          <a:prstGeom prst="rect">
+            <a:avLst/>
+          </a:prstGeom>
+          <a:ln w="9525">
+            <a:noFill/>
+          </a:ln>
+          <a:effectLst/>
+        </p:spPr>
+        <p:style>
+          <a:lnRef idx="2">
+            <a:schemeClr val="accent1">
+              <a:shade val="50000"/>
+            </a:schemeClr>
+          </a:lnRef>
+          <a:fillRef idx="1">
+            <a:schemeClr val="accent1"/>
+          </a:fillRef>
+          <a:effectRef idx="0">
+            <a:schemeClr val="accent1"/>
+          </a:effectRef>
+          <a:fontRef idx="minor">
+            <a:schemeClr val="lt1"/>
+          </a:fontRef>
+        </p:style>
+        <p:txBody>
+          <a:bodyPr rtlCol="0" anchor="ctr"/>
+          <a:lstStyle/>
+          <a:p>
+            <a:pPr marL="0" marR="0" lvl="0" indent="0" algn="ctr" defTabSz="914400" rtl="0" eaLnBrk="1" fontAlgn="auto" latinLnBrk="0" hangingPunct="1">
+              <a:lnSpc>
+                <a:spcPct val="100000"/>
+              </a:lnSpc>
+              <a:spcBef>
+                <a:spcPts val="0"/>
+              </a:spcBef>
+              <a:spcAft>
+                <a:spcPts val="0"/>
+              </a:spcAft>
+              <a:buClrTx/>
+              <a:buSzTx/>
+              <a:buFontTx/>
+              <a:buNone/>
+              <a:tabLst/>
+              <a:defRPr/>
+            </a:pPr>
+            <a:endParaRPr kumimoji="0" lang="en-US" sz="1800" b="0" i="0" u="none" strike="noStrike" kern="1200" cap="none" spc="0" normalizeH="0" baseline="0" noProof="0">
+              <a:ln>
+                <a:noFill/>
+              </a:ln>
+              <a:solidFill>
+                <a:prstClr val="white"/>
+              </a:solidFill>
+              <a:effectLst/>
+              <a:uLnTx/>
+              <a:uFillTx/>
+              <a:latin typeface="Calibri" panose="020F0502020204030204"/>
+              <a:ea typeface="+mn-ea"/>
+              <a:cs typeface="+mn-cs"/>
+            </a:endParaRPr>
+          </a:p>
+        </p:txBody>
+      </p:sp>
+      <p:sp>
+        <p:nvSpPr>
+          <p:cNvPr id="2" name="제목 1">
+            <a:extLst>
+              <a:ext uri="{FF2B5EF4-FFF2-40B4-BE49-F238E27FC236}">
+                <a16:creationId xmlns:a16="http://schemas.microsoft.com/office/drawing/2014/main" id="{4A39A323-304F-447F-A893-B5390F8419B8}"/>
+              </a:ext>
+            </a:extLst>
+          </p:cNvPr>
+          <p:cNvSpPr>
+            <a:spLocks noGrp="1"/>
+          </p:cNvSpPr>
+          <p:nvPr>
+            <p:ph type="title"/>
+          </p:nvPr>
+        </p:nvSpPr>
+        <p:spPr>
+          <a:xfrm>
+            <a:off x="1115568" y="548640"/>
+            <a:ext cx="10168128" cy="1179576"/>
+          </a:xfrm>
+        </p:spPr>
+        <p:txBody>
+          <a:bodyPr>
+            <a:normAutofit/>
+          </a:bodyPr>
+          <a:lstStyle/>
+          <a:p>
+            <a:r>
+              <a:rPr lang="ko-KR" altLang="en-US" sz="4000"/>
+              <a:t>실습 </a:t>
+            </a:r>
+          </a:p>
+        </p:txBody>
+      </p:sp>
+      <p:sp>
+        <p:nvSpPr>
+          <p:cNvPr id="14" name="Rectangle 13">
+            <a:extLst>
+              <a:ext uri="{FF2B5EF4-FFF2-40B4-BE49-F238E27FC236}">
+                <a16:creationId xmlns:a16="http://schemas.microsoft.com/office/drawing/2014/main" id="{074B4F7D-14B2-478B-8BF5-01E4E0C5D263}"/>
+              </a:ext>
+              <a:ext uri="{C183D7F6-B498-43B3-948B-1728B52AA6E4}">
+                <adec:decorative xmlns:adec="http://schemas.microsoft.com/office/drawing/2017/decorative" val="1"/>
+              </a:ext>
+            </a:extLst>
+          </p:cNvPr>
+          <p:cNvSpPr>
+            <a:spLocks noGrp="1" noRot="1" noChangeAspect="1" noMove="1" noResize="1" noEditPoints="1" noAdjustHandles="1" noChangeArrowheads="1" noChangeShapeType="1" noTextEdit="1"/>
+          </p:cNvSpPr>
+          <p:nvPr>
+            <p:extLst>
+              <p:ext uri="{386F3935-93C4-4BCD-93E2-E3B085C9AB24}">
+                <p16:designElem xmlns:p16="http://schemas.microsoft.com/office/powerpoint/2015/main" val="1"/>
+              </p:ext>
+            </p:extLst>
+          </p:nvPr>
+        </p:nvSpPr>
+        <p:spPr>
+          <a:xfrm>
+            <a:off x="498834" y="758952"/>
+            <a:ext cx="128016" cy="704088"/>
+          </a:xfrm>
+          <a:prstGeom prst="rect">
+            <a:avLst/>
+          </a:prstGeom>
+          <a:solidFill>
+            <a:schemeClr val="accent2"/>
+          </a:solidFill>
+          <a:ln>
+            <a:noFill/>
+          </a:ln>
+        </p:spPr>
+        <p:style>
+          <a:lnRef idx="2">
+            <a:schemeClr val="accent1">
+              <a:shade val="50000"/>
+            </a:schemeClr>
+          </a:lnRef>
+          <a:fillRef idx="1">
+            <a:schemeClr val="accent1"/>
+          </a:fillRef>
+          <a:effectRef idx="0">
+            <a:schemeClr val="accent1"/>
+          </a:effectRef>
+          <a:fontRef idx="minor">
+            <a:schemeClr val="lt1"/>
+          </a:fontRef>
+        </p:style>
+        <p:txBody>
+          <a:bodyPr rtlCol="0" anchor="ctr"/>
+          <a:lstStyle/>
+          <a:p>
+            <a:pPr algn="ctr"/>
+            <a:endParaRPr lang="en-US">
+              <a:solidFill>
+                <a:prstClr val="white"/>
+              </a:solidFill>
+              <a:latin typeface="Calibri" panose="020F0502020204030204"/>
+            </a:endParaRPr>
+          </a:p>
+        </p:txBody>
+      </p:sp>
+      <p:sp>
+        <p:nvSpPr>
+          <p:cNvPr id="3" name="내용 개체 틀 2">
+            <a:extLst>
+              <a:ext uri="{FF2B5EF4-FFF2-40B4-BE49-F238E27FC236}">
+                <a16:creationId xmlns:a16="http://schemas.microsoft.com/office/drawing/2014/main" id="{F066021C-8617-4247-BCA8-2E79F9764647}"/>
+              </a:ext>
+            </a:extLst>
+          </p:cNvPr>
+          <p:cNvSpPr>
+            <a:spLocks noGrp="1"/>
+          </p:cNvSpPr>
+          <p:nvPr>
+            <p:ph idx="1"/>
+          </p:nvPr>
+        </p:nvSpPr>
+        <p:spPr>
+          <a:xfrm>
+            <a:off x="1115568" y="2481943"/>
+            <a:ext cx="10168128" cy="3695020"/>
+          </a:xfrm>
+        </p:spPr>
+        <p:txBody>
+          <a:bodyPr>
+            <a:normAutofit/>
+          </a:bodyPr>
+          <a:lstStyle/>
+          <a:p>
+            <a:pPr marL="514350" indent="-514350">
+              <a:buFont typeface="+mj-lt"/>
+              <a:buAutoNum type="arabicPeriod"/>
+            </a:pPr>
+            <a:r>
+              <a:rPr lang="ko-KR" altLang="en-US" sz="2200" dirty="0"/>
+              <a:t>게임 오브젝트를 이용해서 책상 의자 만들기</a:t>
+            </a:r>
+            <a:endParaRPr lang="en-US" altLang="ko-KR" sz="2200" dirty="0"/>
+          </a:p>
+          <a:p>
+            <a:pPr marL="514350" indent="-514350">
+              <a:buFont typeface="+mj-lt"/>
+              <a:buAutoNum type="arabicPeriod"/>
+            </a:pPr>
+            <a:r>
+              <a:rPr lang="ko-KR" altLang="en-US" sz="2200" dirty="0"/>
+              <a:t>벽돌 부수기 게임의 바 만들기</a:t>
+            </a:r>
+            <a:endParaRPr lang="en-US" altLang="ko-KR" sz="2200" dirty="0"/>
+          </a:p>
+          <a:p>
+            <a:pPr marL="0" indent="0">
+              <a:buNone/>
+            </a:pPr>
+            <a:endParaRPr lang="ko-KR" altLang="en-US" sz="2200" dirty="0"/>
+          </a:p>
+        </p:txBody>
+      </p:sp>
+    </p:spTree>
+    <p:extLst>
+      <p:ext uri="{BB962C8B-B14F-4D97-AF65-F5344CB8AC3E}">
+        <p14:creationId xmlns:p14="http://schemas.microsoft.com/office/powerpoint/2010/main" val="2544797724"/>
+      </p:ext>
+    </p:extLst>
+  </p:cSld>
+  <p:clrMapOvr>
+    <a:masterClrMapping/>
+  </p:clrMapOvr>
+</p:sld>
+</file>
+
+<file path=ppt/slides/slide28.xml><?xml version="1.0" encoding="utf-8"?>
 <p:sld xmlns:a="http://schemas.openxmlformats.org/drawingml/2006/main" xmlns:r="http://schemas.openxmlformats.org/officeDocument/2006/relationships" xmlns:p="http://schemas.openxmlformats.org/presentationml/2006/main">
   <p:cSld>
     <p:spTree>
@@ -12096,7 +15197,7 @@
           <p:cNvPr id="2" name="제목 1">
             <a:extLst>
               <a:ext uri="{FF2B5EF4-FFF2-40B4-BE49-F238E27FC236}">
-                <a16:creationId xmlns:a16="http://schemas.microsoft.com/office/drawing/2014/main" id="{CC83E537-6BD0-4627-9B51-EC846B4393A2}"/>
+                <a16:creationId xmlns:a16="http://schemas.microsoft.com/office/drawing/2014/main" id="{41739D91-1B16-475E-BA27-9D1762939D9F}"/>
               </a:ext>
             </a:extLst>
           </p:cNvPr>
@@ -12112,7 +15213,10 @@
           <a:bodyPr/>
           <a:lstStyle/>
           <a:p>
-            <a:endParaRPr lang="ko-KR" altLang="en-US"/>
+            <a:r>
+              <a:rPr lang="ko-KR" altLang="en-US" dirty="0"/>
+              <a:t>참고자료</a:t>
+            </a:r>
           </a:p>
         </p:txBody>
       </p:sp>
@@ -12121,7 +15225,7 @@
           <p:cNvPr id="3" name="내용 개체 틀 2">
             <a:extLst>
               <a:ext uri="{FF2B5EF4-FFF2-40B4-BE49-F238E27FC236}">
-                <a16:creationId xmlns:a16="http://schemas.microsoft.com/office/drawing/2014/main" id="{95BCA49B-5712-4A46-811E-0D8CC50A44AB}"/>
+                <a16:creationId xmlns:a16="http://schemas.microsoft.com/office/drawing/2014/main" id="{D4378A2B-9B54-485F-9E81-9CD15F2C4C5E}"/>
               </a:ext>
             </a:extLst>
           </p:cNvPr>
@@ -12137,194 +15241,58 @@
           <a:bodyPr/>
           <a:lstStyle/>
           <a:p>
-            <a:endParaRPr lang="ko-KR" altLang="en-US"/>
+            <a:r>
+              <a:rPr lang="en-US" altLang="ko-KR" dirty="0">
+                <a:hlinkClick r:id="rId2"/>
+              </a:rPr>
+              <a:t>https://docs.unity3d.com/Manual/index.html</a:t>
+            </a:r>
+            <a:endParaRPr lang="en-US" altLang="ko-KR" dirty="0"/>
+          </a:p>
+          <a:p>
+            <a:pPr marL="0" indent="0">
+              <a:buNone/>
+            </a:pPr>
+            <a:r>
+              <a:rPr lang="ko-KR" altLang="en-US" dirty="0"/>
+              <a:t>유니티 공식 문서</a:t>
+            </a:r>
+            <a:endParaRPr lang="en-US" altLang="ko-KR" dirty="0"/>
+          </a:p>
+          <a:p>
+            <a:pPr marL="0" indent="0">
+              <a:buNone/>
+            </a:pPr>
+            <a:endParaRPr lang="en-US" altLang="ko-KR" dirty="0"/>
+          </a:p>
+          <a:p>
+            <a:r>
+              <a:rPr lang="en-US" altLang="ko-KR" dirty="0">
+                <a:hlinkClick r:id="rId3"/>
+              </a:rPr>
+              <a:t>https://github.com/IamGroooooot/cien-unity-2020</a:t>
+            </a:r>
+            <a:endParaRPr lang="en-US" altLang="ko-KR" dirty="0"/>
+          </a:p>
+          <a:p>
+            <a:pPr marL="0" indent="0">
+              <a:buNone/>
+            </a:pPr>
+            <a:r>
+              <a:rPr lang="ko-KR" altLang="en-US" dirty="0" err="1"/>
+              <a:t>중급반</a:t>
+            </a:r>
+            <a:r>
+              <a:rPr lang="ko-KR" altLang="en-US" dirty="0"/>
+              <a:t> 자료</a:t>
+            </a:r>
           </a:p>
         </p:txBody>
       </p:sp>
     </p:spTree>
     <p:extLst>
       <p:ext uri="{BB962C8B-B14F-4D97-AF65-F5344CB8AC3E}">
-        <p14:creationId xmlns:p14="http://schemas.microsoft.com/office/powerpoint/2010/main" val="4041930236"/>
-      </p:ext>
-    </p:extLst>
-  </p:cSld>
-  <p:clrMapOvr>
-    <a:masterClrMapping/>
-  </p:clrMapOvr>
-</p:sld>
-</file>
-
-<file path=ppt/slides/slide22.xml><?xml version="1.0" encoding="utf-8"?>
-<p:sld xmlns:a="http://schemas.openxmlformats.org/drawingml/2006/main" xmlns:r="http://schemas.openxmlformats.org/officeDocument/2006/relationships" xmlns:p="http://schemas.openxmlformats.org/presentationml/2006/main">
-  <p:cSld>
-    <p:spTree>
-      <p:nvGrpSpPr>
-        <p:cNvPr id="1" name=""/>
-        <p:cNvGrpSpPr/>
-        <p:nvPr/>
-      </p:nvGrpSpPr>
-      <p:grpSpPr>
-        <a:xfrm>
-          <a:off x="0" y="0"/>
-          <a:ext cx="0" cy="0"/>
-          <a:chOff x="0" y="0"/>
-          <a:chExt cx="0" cy="0"/>
-        </a:xfrm>
-      </p:grpSpPr>
-      <p:sp>
-        <p:nvSpPr>
-          <p:cNvPr id="2" name="제목 1">
-            <a:extLst>
-              <a:ext uri="{FF2B5EF4-FFF2-40B4-BE49-F238E27FC236}">
-                <a16:creationId xmlns:a16="http://schemas.microsoft.com/office/drawing/2014/main" id="{C17B183C-BCF1-4B79-BE52-34FE57F44C3A}"/>
-              </a:ext>
-            </a:extLst>
-          </p:cNvPr>
-          <p:cNvSpPr>
-            <a:spLocks noGrp="1"/>
-          </p:cNvSpPr>
-          <p:nvPr>
-            <p:ph type="title"/>
-          </p:nvPr>
-        </p:nvSpPr>
-        <p:spPr/>
-        <p:txBody>
-          <a:bodyPr/>
-          <a:lstStyle/>
-          <a:p>
-            <a:r>
-              <a:rPr lang="ko-KR" altLang="en-US" dirty="0"/>
-              <a:t>카메라</a:t>
-            </a:r>
-          </a:p>
-        </p:txBody>
-      </p:sp>
-      <p:sp>
-        <p:nvSpPr>
-          <p:cNvPr id="3" name="내용 개체 틀 2">
-            <a:extLst>
-              <a:ext uri="{FF2B5EF4-FFF2-40B4-BE49-F238E27FC236}">
-                <a16:creationId xmlns:a16="http://schemas.microsoft.com/office/drawing/2014/main" id="{47F0D84F-992B-4BCF-B0D7-9AA65FDAFF5F}"/>
-              </a:ext>
-            </a:extLst>
-          </p:cNvPr>
-          <p:cNvSpPr>
-            <a:spLocks noGrp="1"/>
-          </p:cNvSpPr>
-          <p:nvPr>
-            <p:ph idx="1"/>
-          </p:nvPr>
-        </p:nvSpPr>
-        <p:spPr/>
-        <p:txBody>
-          <a:bodyPr/>
-          <a:lstStyle/>
-          <a:p>
-            <a:endParaRPr lang="ko-KR" altLang="en-US"/>
-          </a:p>
-        </p:txBody>
-      </p:sp>
-    </p:spTree>
-    <p:extLst>
-      <p:ext uri="{BB962C8B-B14F-4D97-AF65-F5344CB8AC3E}">
-        <p14:creationId xmlns:p14="http://schemas.microsoft.com/office/powerpoint/2010/main" val="585856913"/>
-      </p:ext>
-    </p:extLst>
-  </p:cSld>
-  <p:clrMapOvr>
-    <a:masterClrMapping/>
-  </p:clrMapOvr>
-</p:sld>
-</file>
-
-<file path=ppt/slides/slide23.xml><?xml version="1.0" encoding="utf-8"?>
-<p:sld xmlns:a="http://schemas.openxmlformats.org/drawingml/2006/main" xmlns:r="http://schemas.openxmlformats.org/officeDocument/2006/relationships" xmlns:p="http://schemas.openxmlformats.org/presentationml/2006/main">
-  <p:cSld>
-    <p:spTree>
-      <p:nvGrpSpPr>
-        <p:cNvPr id="1" name=""/>
-        <p:cNvGrpSpPr/>
-        <p:nvPr/>
-      </p:nvGrpSpPr>
-      <p:grpSpPr>
-        <a:xfrm>
-          <a:off x="0" y="0"/>
-          <a:ext cx="0" cy="0"/>
-          <a:chOff x="0" y="0"/>
-          <a:chExt cx="0" cy="0"/>
-        </a:xfrm>
-      </p:grpSpPr>
-      <p:sp>
-        <p:nvSpPr>
-          <p:cNvPr id="2" name="제목 1">
-            <a:extLst>
-              <a:ext uri="{FF2B5EF4-FFF2-40B4-BE49-F238E27FC236}">
-                <a16:creationId xmlns:a16="http://schemas.microsoft.com/office/drawing/2014/main" id="{4A39A323-304F-447F-A893-B5390F8419B8}"/>
-              </a:ext>
-            </a:extLst>
-          </p:cNvPr>
-          <p:cNvSpPr>
-            <a:spLocks noGrp="1"/>
-          </p:cNvSpPr>
-          <p:nvPr>
-            <p:ph type="title"/>
-          </p:nvPr>
-        </p:nvSpPr>
-        <p:spPr/>
-        <p:txBody>
-          <a:bodyPr/>
-          <a:lstStyle/>
-          <a:p>
-            <a:r>
-              <a:rPr lang="ko-KR" altLang="en-US" dirty="0"/>
-              <a:t>실습 </a:t>
-            </a:r>
-          </a:p>
-        </p:txBody>
-      </p:sp>
-      <p:sp>
-        <p:nvSpPr>
-          <p:cNvPr id="3" name="내용 개체 틀 2">
-            <a:extLst>
-              <a:ext uri="{FF2B5EF4-FFF2-40B4-BE49-F238E27FC236}">
-                <a16:creationId xmlns:a16="http://schemas.microsoft.com/office/drawing/2014/main" id="{F066021C-8617-4247-BCA8-2E79F9764647}"/>
-              </a:ext>
-            </a:extLst>
-          </p:cNvPr>
-          <p:cNvSpPr>
-            <a:spLocks noGrp="1"/>
-          </p:cNvSpPr>
-          <p:nvPr>
-            <p:ph idx="1"/>
-          </p:nvPr>
-        </p:nvSpPr>
-        <p:spPr/>
-        <p:txBody>
-          <a:bodyPr/>
-          <a:lstStyle/>
-          <a:p>
-            <a:pPr marL="514350" indent="-514350">
-              <a:buFont typeface="+mj-lt"/>
-              <a:buAutoNum type="arabicPeriod"/>
-            </a:pPr>
-            <a:r>
-              <a:rPr lang="ko-KR" altLang="en-US" dirty="0"/>
-              <a:t>벽돌 부수기 게임의 바 만들기</a:t>
-            </a:r>
-            <a:endParaRPr lang="en-US" altLang="ko-KR" dirty="0"/>
-          </a:p>
-          <a:p>
-            <a:pPr marL="0" indent="0">
-              <a:buNone/>
-            </a:pPr>
-            <a:endParaRPr lang="ko-KR" altLang="en-US" dirty="0"/>
-          </a:p>
-        </p:txBody>
-      </p:sp>
-    </p:spTree>
-    <p:extLst>
-      <p:ext uri="{BB962C8B-B14F-4D97-AF65-F5344CB8AC3E}">
-        <p14:creationId xmlns:p14="http://schemas.microsoft.com/office/powerpoint/2010/main" val="2544797724"/>
+        <p14:creationId xmlns:p14="http://schemas.microsoft.com/office/powerpoint/2010/main" val="2610334737"/>
       </p:ext>
     </p:extLst>
   </p:cSld>
@@ -13988,40 +16956,44 @@
               <a:buNone/>
             </a:pPr>
             <a:r>
-              <a:rPr lang="ko-KR" altLang="en-US" sz="2000"/>
+              <a:rPr lang="ko-KR" altLang="en-US" sz="2000" dirty="0"/>
               <a:t>유니티 안에 존재하는 최소 단위</a:t>
             </a:r>
-            <a:endParaRPr lang="en-US" altLang="ko-KR" sz="2000"/>
-          </a:p>
-          <a:p>
-            <a:r>
-              <a:rPr lang="ko-KR" altLang="en-US" sz="2000"/>
+            <a:endParaRPr lang="en-US" altLang="ko-KR" sz="2000" dirty="0"/>
+          </a:p>
+          <a:p>
+            <a:r>
+              <a:rPr lang="ko-KR" altLang="en-US" sz="2000" dirty="0"/>
               <a:t>항상 </a:t>
             </a:r>
             <a:r>
-              <a:rPr lang="en-US" altLang="ko-KR" sz="2000"/>
+              <a:rPr lang="en-US" altLang="ko-KR" sz="2000" dirty="0"/>
               <a:t>Transform</a:t>
             </a:r>
             <a:r>
-              <a:rPr lang="ko-KR" altLang="en-US" sz="2000"/>
+              <a:rPr lang="ko-KR" altLang="en-US" sz="2000" dirty="0"/>
               <a:t>이라는 위치 값을 가진다</a:t>
             </a:r>
-            <a:endParaRPr lang="en-US" altLang="ko-KR" sz="2000"/>
-          </a:p>
-          <a:p>
-            <a:endParaRPr lang="en-US" altLang="ko-KR" sz="2000"/>
-          </a:p>
-          <a:p>
-            <a:r>
-              <a:rPr lang="ko-KR" altLang="en-US" sz="2000"/>
-              <a:t>에셋의 기능을 처리하기 위한 객체</a:t>
-            </a:r>
-            <a:endParaRPr lang="en-US" altLang="ko-KR" sz="2000"/>
+            <a:endParaRPr lang="en-US" altLang="ko-KR" sz="2000" dirty="0"/>
+          </a:p>
+          <a:p>
+            <a:endParaRPr lang="en-US" altLang="ko-KR" sz="2000" dirty="0"/>
+          </a:p>
+          <a:p>
+            <a:r>
+              <a:rPr lang="ko-KR" altLang="en-US" sz="2000" dirty="0" err="1"/>
+              <a:t>에셋의</a:t>
+            </a:r>
+            <a:r>
+              <a:rPr lang="ko-KR" altLang="en-US" sz="2000" dirty="0"/>
+              <a:t> 기능을 처리하기 위한 객체</a:t>
+            </a:r>
+            <a:endParaRPr lang="en-US" altLang="ko-KR" sz="2000" dirty="0"/>
           </a:p>
           <a:p>
             <a:pPr lvl="1"/>
             <a:r>
-              <a:rPr lang="ko-KR" altLang="en-US" sz="2000"/>
+              <a:rPr lang="ko-KR" altLang="en-US" sz="2000" dirty="0"/>
               <a:t>기능들의 컨테이너 역할을 함</a:t>
             </a:r>
           </a:p>
@@ -14253,14 +17225,14 @@
           <a:lstStyle/>
           <a:p>
             <a:r>
-              <a:rPr lang="ko-KR" altLang="en-US" sz="4000"/>
+              <a:rPr lang="ko-KR" altLang="en-US" sz="4000" dirty="0"/>
               <a:t>컴포넌트</a:t>
             </a:r>
             <a:r>
-              <a:rPr lang="en-US" altLang="ko-KR" sz="4000"/>
+              <a:rPr lang="en-US" altLang="ko-KR" sz="4000" dirty="0"/>
               <a:t>(Component)</a:t>
             </a:r>
-            <a:endParaRPr lang="ko-KR" altLang="en-US" sz="4000"/>
+            <a:endParaRPr lang="ko-KR" altLang="en-US" sz="4000" dirty="0"/>
           </a:p>
         </p:txBody>
       </p:sp>
@@ -14361,84 +17333,84 @@
           <a:lstStyle/>
           <a:p>
             <a:r>
-              <a:rPr lang="ko-KR" altLang="en-US" sz="2000"/>
+              <a:rPr lang="ko-KR" altLang="en-US" sz="2000" dirty="0"/>
               <a:t>기능을 나타낸다</a:t>
             </a:r>
-            <a:endParaRPr lang="en-US" altLang="ko-KR" sz="2000"/>
-          </a:p>
-          <a:p>
-            <a:r>
-              <a:rPr lang="ko-KR" altLang="en-US" sz="2000"/>
+            <a:endParaRPr lang="en-US" altLang="ko-KR" sz="2000" dirty="0"/>
+          </a:p>
+          <a:p>
+            <a:r>
+              <a:rPr lang="ko-KR" altLang="en-US" sz="2000" dirty="0"/>
               <a:t>컴포넌트 </a:t>
             </a:r>
             <a:r>
-              <a:rPr lang="en-US" altLang="ko-KR" sz="2000"/>
+              <a:rPr lang="en-US" altLang="ko-KR" sz="2000" dirty="0"/>
               <a:t>= </a:t>
             </a:r>
             <a:r>
-              <a:rPr lang="ko-KR" altLang="en-US" sz="2000"/>
+              <a:rPr lang="ko-KR" altLang="en-US" sz="2000" dirty="0"/>
               <a:t>기능 </a:t>
             </a:r>
             <a:r>
-              <a:rPr lang="en-US" altLang="ko-KR" sz="2000"/>
+              <a:rPr lang="en-US" altLang="ko-KR" sz="2000" dirty="0"/>
               <a:t>= </a:t>
             </a:r>
             <a:r>
-              <a:rPr lang="ko-KR" altLang="en-US" sz="2000"/>
+              <a:rPr lang="ko-KR" altLang="en-US" sz="2000" dirty="0"/>
               <a:t>스크립트 </a:t>
             </a:r>
             <a:r>
-              <a:rPr lang="en-US" altLang="ko-KR" sz="2000"/>
+              <a:rPr lang="en-US" altLang="ko-KR" sz="2000" dirty="0"/>
               <a:t>= </a:t>
             </a:r>
             <a:r>
-              <a:rPr lang="ko-KR" altLang="en-US" sz="2000"/>
+              <a:rPr lang="ko-KR" altLang="en-US" sz="2000" dirty="0"/>
               <a:t>클래스</a:t>
             </a:r>
-            <a:endParaRPr lang="en-US" altLang="ko-KR" sz="2000"/>
-          </a:p>
-          <a:p>
-            <a:endParaRPr lang="en-US" altLang="ko-KR" sz="2000"/>
-          </a:p>
-          <a:p>
-            <a:r>
-              <a:rPr lang="ko-KR" altLang="en-US" sz="2000"/>
+            <a:endParaRPr lang="en-US" altLang="ko-KR" sz="2000" dirty="0"/>
+          </a:p>
+          <a:p>
+            <a:endParaRPr lang="en-US" altLang="ko-KR" sz="2000" dirty="0"/>
+          </a:p>
+          <a:p>
+            <a:r>
+              <a:rPr lang="ko-KR" altLang="en-US" sz="2000" dirty="0"/>
               <a:t>유니티가 만들어 놓은 기능</a:t>
             </a:r>
             <a:r>
-              <a:rPr lang="en-US" altLang="ko-KR" sz="2000"/>
+              <a:rPr lang="en-US" altLang="ko-KR" sz="2000" dirty="0"/>
               <a:t>: </a:t>
             </a:r>
             <a:r>
-              <a:rPr lang="ko-KR" altLang="en-US" sz="2000"/>
+              <a:rPr lang="ko-KR" altLang="en-US" sz="2000" dirty="0"/>
               <a:t>컴포넌트</a:t>
             </a:r>
-            <a:endParaRPr lang="en-US" altLang="ko-KR" sz="2000"/>
-          </a:p>
-          <a:p>
-            <a:r>
-              <a:rPr lang="ko-KR" altLang="en-US" sz="2000"/>
+            <a:endParaRPr lang="en-US" altLang="ko-KR" sz="2000" dirty="0"/>
+          </a:p>
+          <a:p>
+            <a:r>
+              <a:rPr lang="ko-KR" altLang="en-US" sz="2000" dirty="0"/>
               <a:t>우리가 코딩하는 기능</a:t>
             </a:r>
             <a:r>
-              <a:rPr lang="en-US" altLang="ko-KR" sz="2000"/>
+              <a:rPr lang="en-US" altLang="ko-KR" sz="2000" dirty="0"/>
               <a:t>: </a:t>
             </a:r>
             <a:r>
-              <a:rPr lang="ko-KR" altLang="en-US" sz="2000"/>
+              <a:rPr lang="ko-KR" altLang="en-US" sz="2000" dirty="0"/>
               <a:t>스크립트</a:t>
             </a:r>
-            <a:endParaRPr lang="en-US" altLang="ko-KR" sz="2000"/>
-          </a:p>
-          <a:p>
-            <a:endParaRPr lang="en-US" altLang="ko-KR" sz="2000"/>
-          </a:p>
-          <a:p>
-            <a:r>
-              <a:rPr lang="ko-KR" altLang="en-US" sz="2000"/>
+            <a:endParaRPr lang="en-US" altLang="ko-KR" sz="2000" dirty="0"/>
+          </a:p>
+          <a:p>
+            <a:endParaRPr lang="en-US" altLang="ko-KR" sz="2000" dirty="0"/>
+          </a:p>
+          <a:p>
+            <a:r>
+              <a:rPr lang="ko-KR" altLang="en-US" sz="2000" dirty="0"/>
               <a:t>게임 오브젝트에 부착한다</a:t>
             </a:r>
-            <a:endParaRPr lang="en-US" altLang="ko-KR" sz="2000"/>
+            <a:endParaRPr lang="en-US" altLang="ko-KR" sz="2000" dirty="0"/>
           </a:p>
         </p:txBody>
       </p:sp>
